--- a/Classes/week_02/ta2/simon_group/oop2.pptx
+++ b/Classes/week_02/ta2/simon_group/oop2.pptx
@@ -218,7 +218,7 @@
           <a:p>
             <a:fld id="{9DA59C4F-E499-4036-8FB9-B77BEC02A5D1}" type="datetimeFigureOut">
               <a:rPr lang="he-IL" smtClean="0"/>
-              <a:t>ט'/חשון/תשפ"א</a:t>
+              <a:t>י'/חשון/תשפ"א</a:t>
             </a:fld>
             <a:endParaRPr lang="he-IL"/>
           </a:p>
@@ -871,7 +871,7 @@
           <a:p>
             <a:fld id="{F9F2E34D-57B0-41D5-A7AF-DF10D1068115}" type="datetime1">
               <a:rPr lang="en-US" smtClean="0"/>
-              <a:t>10/27/2020</a:t>
+              <a:t>10/28/2020</a:t>
             </a:fld>
             <a:endParaRPr lang="en-US" dirty="0"/>
           </a:p>
@@ -1076,7 +1076,7 @@
           <a:p>
             <a:fld id="{BF56EAF9-2583-4989-8D87-13F548ED6E0C}" type="datetime1">
               <a:rPr lang="en-US" smtClean="0"/>
-              <a:t>10/27/2020</a:t>
+              <a:t>10/28/2020</a:t>
             </a:fld>
             <a:endParaRPr lang="en-US" dirty="0"/>
           </a:p>
@@ -1296,7 +1296,7 @@
           <a:p>
             <a:fld id="{4E3F0A0B-291C-4112-A023-023C51AB2E85}" type="datetime1">
               <a:rPr lang="en-US" smtClean="0"/>
-              <a:t>10/27/2020</a:t>
+              <a:t>10/28/2020</a:t>
             </a:fld>
             <a:endParaRPr lang="en-US" dirty="0"/>
           </a:p>
@@ -2306,6 +2306,405 @@
   <p:clrMapOvr>
     <a:masterClrMapping/>
   </p:clrMapOvr>
+  <p:timing>
+    <p:tnLst>
+      <p:par>
+        <p:cTn id="1" dur="indefinite" restart="never" nodeType="tmRoot">
+          <p:childTnLst>
+            <p:seq concurrent="1" nextAc="seek">
+              <p:cTn id="2" dur="indefinite" nodeType="mainSeq">
+                <p:childTnLst>
+                  <p:par>
+                    <p:cTn id="3" fill="hold">
+                      <p:stCondLst>
+                        <p:cond delay="indefinite"/>
+                      </p:stCondLst>
+                      <p:childTnLst>
+                        <p:par>
+                          <p:cTn id="4" fill="hold">
+                            <p:stCondLst>
+                              <p:cond delay="0"/>
+                            </p:stCondLst>
+                            <p:childTnLst>
+                              <p:par>
+                                <p:cTn id="5" presetID="31" presetClass="entr" presetSubtype="0" fill="hold" nodeType="clickEffect">
+                                  <p:stCondLst>
+                                    <p:cond delay="0"/>
+                                  </p:stCondLst>
+                                  <p:childTnLst>
+                                    <p:set>
+                                      <p:cBhvr>
+                                        <p:cTn id="6" dur="1" fill="hold">
+                                          <p:stCondLst>
+                                            <p:cond delay="0"/>
+                                          </p:stCondLst>
+                                        </p:cTn>
+                                        <p:tgtEl>
+                                          <p:spTgt spid="6"/>
+                                        </p:tgtEl>
+                                        <p:attrNameLst>
+                                          <p:attrName>style.visibility</p:attrName>
+                                        </p:attrNameLst>
+                                      </p:cBhvr>
+                                      <p:to>
+                                        <p:strVal val="visible"/>
+                                      </p:to>
+                                    </p:set>
+                                    <p:anim calcmode="lin" valueType="num">
+                                      <p:cBhvr>
+                                        <p:cTn id="7" dur="1000" fill="hold"/>
+                                        <p:tgtEl>
+                                          <p:spTgt spid="6"/>
+                                        </p:tgtEl>
+                                        <p:attrNameLst>
+                                          <p:attrName>ppt_w</p:attrName>
+                                        </p:attrNameLst>
+                                      </p:cBhvr>
+                                      <p:tavLst>
+                                        <p:tav tm="0">
+                                          <p:val>
+                                            <p:fltVal val="0"/>
+                                          </p:val>
+                                        </p:tav>
+                                        <p:tav tm="100000">
+                                          <p:val>
+                                            <p:strVal val="#ppt_w"/>
+                                          </p:val>
+                                        </p:tav>
+                                      </p:tavLst>
+                                    </p:anim>
+                                    <p:anim calcmode="lin" valueType="num">
+                                      <p:cBhvr>
+                                        <p:cTn id="8" dur="1000" fill="hold"/>
+                                        <p:tgtEl>
+                                          <p:spTgt spid="6"/>
+                                        </p:tgtEl>
+                                        <p:attrNameLst>
+                                          <p:attrName>ppt_h</p:attrName>
+                                        </p:attrNameLst>
+                                      </p:cBhvr>
+                                      <p:tavLst>
+                                        <p:tav tm="0">
+                                          <p:val>
+                                            <p:fltVal val="0"/>
+                                          </p:val>
+                                        </p:tav>
+                                        <p:tav tm="100000">
+                                          <p:val>
+                                            <p:strVal val="#ppt_h"/>
+                                          </p:val>
+                                        </p:tav>
+                                      </p:tavLst>
+                                    </p:anim>
+                                    <p:anim calcmode="lin" valueType="num">
+                                      <p:cBhvr>
+                                        <p:cTn id="9" dur="1000" fill="hold"/>
+                                        <p:tgtEl>
+                                          <p:spTgt spid="6"/>
+                                        </p:tgtEl>
+                                        <p:attrNameLst>
+                                          <p:attrName>style.rotation</p:attrName>
+                                        </p:attrNameLst>
+                                      </p:cBhvr>
+                                      <p:tavLst>
+                                        <p:tav tm="0">
+                                          <p:val>
+                                            <p:fltVal val="90"/>
+                                          </p:val>
+                                        </p:tav>
+                                        <p:tav tm="100000">
+                                          <p:val>
+                                            <p:fltVal val="0"/>
+                                          </p:val>
+                                        </p:tav>
+                                      </p:tavLst>
+                                    </p:anim>
+                                    <p:animEffect transition="in" filter="fade">
+                                      <p:cBhvr>
+                                        <p:cTn id="10" dur="1000"/>
+                                        <p:tgtEl>
+                                          <p:spTgt spid="6"/>
+                                        </p:tgtEl>
+                                      </p:cBhvr>
+                                    </p:animEffect>
+                                  </p:childTnLst>
+                                </p:cTn>
+                              </p:par>
+                            </p:childTnLst>
+                          </p:cTn>
+                        </p:par>
+                      </p:childTnLst>
+                    </p:cTn>
+                  </p:par>
+                  <p:par>
+                    <p:cTn id="11" fill="hold">
+                      <p:stCondLst>
+                        <p:cond delay="indefinite"/>
+                      </p:stCondLst>
+                      <p:childTnLst>
+                        <p:par>
+                          <p:cTn id="12" fill="hold">
+                            <p:stCondLst>
+                              <p:cond delay="0"/>
+                            </p:stCondLst>
+                            <p:childTnLst>
+                              <p:par>
+                                <p:cTn id="13" presetID="16" presetClass="entr" presetSubtype="21" fill="hold" grpId="0" nodeType="clickEffect">
+                                  <p:stCondLst>
+                                    <p:cond delay="0"/>
+                                  </p:stCondLst>
+                                  <p:childTnLst>
+                                    <p:set>
+                                      <p:cBhvr>
+                                        <p:cTn id="14" dur="1" fill="hold">
+                                          <p:stCondLst>
+                                            <p:cond delay="0"/>
+                                          </p:stCondLst>
+                                        </p:cTn>
+                                        <p:tgtEl>
+                                          <p:spTgt spid="3">
+                                            <p:txEl>
+                                              <p:pRg st="0" end="0"/>
+                                            </p:txEl>
+                                          </p:spTgt>
+                                        </p:tgtEl>
+                                        <p:attrNameLst>
+                                          <p:attrName>style.visibility</p:attrName>
+                                        </p:attrNameLst>
+                                      </p:cBhvr>
+                                      <p:to>
+                                        <p:strVal val="visible"/>
+                                      </p:to>
+                                    </p:set>
+                                    <p:animEffect transition="in" filter="barn(inVertical)">
+                                      <p:cBhvr>
+                                        <p:cTn id="15" dur="500"/>
+                                        <p:tgtEl>
+                                          <p:spTgt spid="3">
+                                            <p:txEl>
+                                              <p:pRg st="0" end="0"/>
+                                            </p:txEl>
+                                          </p:spTgt>
+                                        </p:tgtEl>
+                                      </p:cBhvr>
+                                    </p:animEffect>
+                                  </p:childTnLst>
+                                </p:cTn>
+                              </p:par>
+                            </p:childTnLst>
+                          </p:cTn>
+                        </p:par>
+                      </p:childTnLst>
+                    </p:cTn>
+                  </p:par>
+                  <p:par>
+                    <p:cTn id="16" fill="hold">
+                      <p:stCondLst>
+                        <p:cond delay="indefinite"/>
+                      </p:stCondLst>
+                      <p:childTnLst>
+                        <p:par>
+                          <p:cTn id="17" fill="hold">
+                            <p:stCondLst>
+                              <p:cond delay="0"/>
+                            </p:stCondLst>
+                            <p:childTnLst>
+                              <p:par>
+                                <p:cTn id="18" presetID="16" presetClass="entr" presetSubtype="21" fill="hold" grpId="0" nodeType="clickEffect">
+                                  <p:stCondLst>
+                                    <p:cond delay="0"/>
+                                  </p:stCondLst>
+                                  <p:childTnLst>
+                                    <p:set>
+                                      <p:cBhvr>
+                                        <p:cTn id="19" dur="1" fill="hold">
+                                          <p:stCondLst>
+                                            <p:cond delay="0"/>
+                                          </p:stCondLst>
+                                        </p:cTn>
+                                        <p:tgtEl>
+                                          <p:spTgt spid="3">
+                                            <p:txEl>
+                                              <p:pRg st="1" end="1"/>
+                                            </p:txEl>
+                                          </p:spTgt>
+                                        </p:tgtEl>
+                                        <p:attrNameLst>
+                                          <p:attrName>style.visibility</p:attrName>
+                                        </p:attrNameLst>
+                                      </p:cBhvr>
+                                      <p:to>
+                                        <p:strVal val="visible"/>
+                                      </p:to>
+                                    </p:set>
+                                    <p:animEffect transition="in" filter="barn(inVertical)">
+                                      <p:cBhvr>
+                                        <p:cTn id="20" dur="500"/>
+                                        <p:tgtEl>
+                                          <p:spTgt spid="3">
+                                            <p:txEl>
+                                              <p:pRg st="1" end="1"/>
+                                            </p:txEl>
+                                          </p:spTgt>
+                                        </p:tgtEl>
+                                      </p:cBhvr>
+                                    </p:animEffect>
+                                  </p:childTnLst>
+                                </p:cTn>
+                              </p:par>
+                            </p:childTnLst>
+                          </p:cTn>
+                        </p:par>
+                      </p:childTnLst>
+                    </p:cTn>
+                  </p:par>
+                  <p:par>
+                    <p:cTn id="21" fill="hold">
+                      <p:stCondLst>
+                        <p:cond delay="indefinite"/>
+                      </p:stCondLst>
+                      <p:childTnLst>
+                        <p:par>
+                          <p:cTn id="22" fill="hold">
+                            <p:stCondLst>
+                              <p:cond delay="0"/>
+                            </p:stCondLst>
+                            <p:childTnLst>
+                              <p:par>
+                                <p:cTn id="23" presetID="16" presetClass="entr" presetSubtype="21" fill="hold" grpId="0" nodeType="clickEffect">
+                                  <p:stCondLst>
+                                    <p:cond delay="0"/>
+                                  </p:stCondLst>
+                                  <p:childTnLst>
+                                    <p:set>
+                                      <p:cBhvr>
+                                        <p:cTn id="24" dur="1" fill="hold">
+                                          <p:stCondLst>
+                                            <p:cond delay="0"/>
+                                          </p:stCondLst>
+                                        </p:cTn>
+                                        <p:tgtEl>
+                                          <p:spTgt spid="3">
+                                            <p:txEl>
+                                              <p:pRg st="2" end="2"/>
+                                            </p:txEl>
+                                          </p:spTgt>
+                                        </p:tgtEl>
+                                        <p:attrNameLst>
+                                          <p:attrName>style.visibility</p:attrName>
+                                        </p:attrNameLst>
+                                      </p:cBhvr>
+                                      <p:to>
+                                        <p:strVal val="visible"/>
+                                      </p:to>
+                                    </p:set>
+                                    <p:animEffect transition="in" filter="barn(inVertical)">
+                                      <p:cBhvr>
+                                        <p:cTn id="25" dur="500"/>
+                                        <p:tgtEl>
+                                          <p:spTgt spid="3">
+                                            <p:txEl>
+                                              <p:pRg st="2" end="2"/>
+                                            </p:txEl>
+                                          </p:spTgt>
+                                        </p:tgtEl>
+                                      </p:cBhvr>
+                                    </p:animEffect>
+                                  </p:childTnLst>
+                                </p:cTn>
+                              </p:par>
+                            </p:childTnLst>
+                          </p:cTn>
+                        </p:par>
+                      </p:childTnLst>
+                    </p:cTn>
+                  </p:par>
+                  <p:par>
+                    <p:cTn id="26" fill="hold">
+                      <p:stCondLst>
+                        <p:cond delay="indefinite"/>
+                      </p:stCondLst>
+                      <p:childTnLst>
+                        <p:par>
+                          <p:cTn id="27" fill="hold">
+                            <p:stCondLst>
+                              <p:cond delay="0"/>
+                            </p:stCondLst>
+                            <p:childTnLst>
+                              <p:par>
+                                <p:cTn id="28" presetID="16" presetClass="entr" presetSubtype="21" fill="hold" grpId="0" nodeType="clickEffect">
+                                  <p:stCondLst>
+                                    <p:cond delay="0"/>
+                                  </p:stCondLst>
+                                  <p:childTnLst>
+                                    <p:set>
+                                      <p:cBhvr>
+                                        <p:cTn id="29" dur="1" fill="hold">
+                                          <p:stCondLst>
+                                            <p:cond delay="0"/>
+                                          </p:stCondLst>
+                                        </p:cTn>
+                                        <p:tgtEl>
+                                          <p:spTgt spid="3">
+                                            <p:txEl>
+                                              <p:pRg st="3" end="3"/>
+                                            </p:txEl>
+                                          </p:spTgt>
+                                        </p:tgtEl>
+                                        <p:attrNameLst>
+                                          <p:attrName>style.visibility</p:attrName>
+                                        </p:attrNameLst>
+                                      </p:cBhvr>
+                                      <p:to>
+                                        <p:strVal val="visible"/>
+                                      </p:to>
+                                    </p:set>
+                                    <p:animEffect transition="in" filter="barn(inVertical)">
+                                      <p:cBhvr>
+                                        <p:cTn id="30" dur="500"/>
+                                        <p:tgtEl>
+                                          <p:spTgt spid="3">
+                                            <p:txEl>
+                                              <p:pRg st="3" end="3"/>
+                                            </p:txEl>
+                                          </p:spTgt>
+                                        </p:tgtEl>
+                                      </p:cBhvr>
+                                    </p:animEffect>
+                                  </p:childTnLst>
+                                </p:cTn>
+                              </p:par>
+                            </p:childTnLst>
+                          </p:cTn>
+                        </p:par>
+                      </p:childTnLst>
+                    </p:cTn>
+                  </p:par>
+                </p:childTnLst>
+              </p:cTn>
+              <p:prevCondLst>
+                <p:cond evt="onPrev" delay="0">
+                  <p:tgtEl>
+                    <p:sldTgt/>
+                  </p:tgtEl>
+                </p:cond>
+              </p:prevCondLst>
+              <p:nextCondLst>
+                <p:cond evt="onNext" delay="0">
+                  <p:tgtEl>
+                    <p:sldTgt/>
+                  </p:tgtEl>
+                </p:cond>
+              </p:nextCondLst>
+            </p:seq>
+          </p:childTnLst>
+        </p:cTn>
+      </p:par>
+    </p:tnLst>
+    <p:bldLst>
+      <p:bldP spid="3" grpId="0" build="p"/>
+    </p:bldLst>
+  </p:timing>
 </p:sld>
 </file>
 
@@ -2467,6 +2866,191 @@
   <p:clrMapOvr>
     <a:masterClrMapping/>
   </p:clrMapOvr>
+  <p:timing>
+    <p:tnLst>
+      <p:par>
+        <p:cTn id="1" dur="indefinite" restart="never" nodeType="tmRoot">
+          <p:childTnLst>
+            <p:seq concurrent="1" nextAc="seek">
+              <p:cTn id="2" dur="indefinite" nodeType="mainSeq">
+                <p:childTnLst>
+                  <p:par>
+                    <p:cTn id="3" fill="hold">
+                      <p:stCondLst>
+                        <p:cond delay="indefinite"/>
+                      </p:stCondLst>
+                      <p:childTnLst>
+                        <p:par>
+                          <p:cTn id="4" fill="hold">
+                            <p:stCondLst>
+                              <p:cond delay="0"/>
+                            </p:stCondLst>
+                            <p:childTnLst>
+                              <p:par>
+                                <p:cTn id="5" presetID="22" presetClass="entr" presetSubtype="4" fill="hold" grpId="0" nodeType="clickEffect">
+                                  <p:stCondLst>
+                                    <p:cond delay="0"/>
+                                  </p:stCondLst>
+                                  <p:childTnLst>
+                                    <p:set>
+                                      <p:cBhvr>
+                                        <p:cTn id="6" dur="1" fill="hold">
+                                          <p:stCondLst>
+                                            <p:cond delay="0"/>
+                                          </p:stCondLst>
+                                        </p:cTn>
+                                        <p:tgtEl>
+                                          <p:spTgt spid="3">
+                                            <p:txEl>
+                                              <p:pRg st="0" end="0"/>
+                                            </p:txEl>
+                                          </p:spTgt>
+                                        </p:tgtEl>
+                                        <p:attrNameLst>
+                                          <p:attrName>style.visibility</p:attrName>
+                                        </p:attrNameLst>
+                                      </p:cBhvr>
+                                      <p:to>
+                                        <p:strVal val="visible"/>
+                                      </p:to>
+                                    </p:set>
+                                    <p:animEffect transition="in" filter="wipe(down)">
+                                      <p:cBhvr>
+                                        <p:cTn id="7" dur="500"/>
+                                        <p:tgtEl>
+                                          <p:spTgt spid="3">
+                                            <p:txEl>
+                                              <p:pRg st="0" end="0"/>
+                                            </p:txEl>
+                                          </p:spTgt>
+                                        </p:tgtEl>
+                                      </p:cBhvr>
+                                    </p:animEffect>
+                                  </p:childTnLst>
+                                </p:cTn>
+                              </p:par>
+                            </p:childTnLst>
+                          </p:cTn>
+                        </p:par>
+                      </p:childTnLst>
+                    </p:cTn>
+                  </p:par>
+                  <p:par>
+                    <p:cTn id="8" fill="hold">
+                      <p:stCondLst>
+                        <p:cond delay="indefinite"/>
+                      </p:stCondLst>
+                      <p:childTnLst>
+                        <p:par>
+                          <p:cTn id="9" fill="hold">
+                            <p:stCondLst>
+                              <p:cond delay="0"/>
+                            </p:stCondLst>
+                            <p:childTnLst>
+                              <p:par>
+                                <p:cTn id="10" presetID="2" presetClass="entr" presetSubtype="4" fill="hold" nodeType="clickEffect">
+                                  <p:stCondLst>
+                                    <p:cond delay="0"/>
+                                  </p:stCondLst>
+                                  <p:childTnLst>
+                                    <p:set>
+                                      <p:cBhvr>
+                                        <p:cTn id="11" dur="1" fill="hold">
+                                          <p:stCondLst>
+                                            <p:cond delay="0"/>
+                                          </p:stCondLst>
+                                        </p:cTn>
+                                        <p:tgtEl>
+                                          <p:spTgt spid="5"/>
+                                        </p:tgtEl>
+                                        <p:attrNameLst>
+                                          <p:attrName>style.visibility</p:attrName>
+                                        </p:attrNameLst>
+                                      </p:cBhvr>
+                                      <p:to>
+                                        <p:strVal val="visible"/>
+                                      </p:to>
+                                    </p:set>
+                                    <p:anim calcmode="lin" valueType="num">
+                                      <p:cBhvr additive="base">
+                                        <p:cTn id="12" dur="500" fill="hold"/>
+                                        <p:tgtEl>
+                                          <p:spTgt spid="5"/>
+                                        </p:tgtEl>
+                                        <p:attrNameLst>
+                                          <p:attrName>ppt_x</p:attrName>
+                                        </p:attrNameLst>
+                                      </p:cBhvr>
+                                      <p:tavLst>
+                                        <p:tav tm="0">
+                                          <p:val>
+                                            <p:strVal val="#ppt_x"/>
+                                          </p:val>
+                                        </p:tav>
+                                        <p:tav tm="100000">
+                                          <p:val>
+                                            <p:strVal val="#ppt_x"/>
+                                          </p:val>
+                                        </p:tav>
+                                      </p:tavLst>
+                                    </p:anim>
+                                    <p:anim calcmode="lin" valueType="num">
+                                      <p:cBhvr additive="base">
+                                        <p:cTn id="13" dur="500" fill="hold"/>
+                                        <p:tgtEl>
+                                          <p:spTgt spid="5"/>
+                                        </p:tgtEl>
+                                        <p:attrNameLst>
+                                          <p:attrName>ppt_y</p:attrName>
+                                        </p:attrNameLst>
+                                      </p:cBhvr>
+                                      <p:tavLst>
+                                        <p:tav tm="0">
+                                          <p:val>
+                                            <p:strVal val="1+#ppt_h/2"/>
+                                          </p:val>
+                                        </p:tav>
+                                        <p:tav tm="100000">
+                                          <p:val>
+                                            <p:strVal val="#ppt_y"/>
+                                          </p:val>
+                                        </p:tav>
+                                      </p:tavLst>
+                                    </p:anim>
+                                  </p:childTnLst>
+                                </p:cTn>
+                              </p:par>
+                            </p:childTnLst>
+                          </p:cTn>
+                        </p:par>
+                      </p:childTnLst>
+                    </p:cTn>
+                  </p:par>
+                </p:childTnLst>
+              </p:cTn>
+              <p:prevCondLst>
+                <p:cond evt="onPrev" delay="0">
+                  <p:tgtEl>
+                    <p:sldTgt/>
+                  </p:tgtEl>
+                </p:cond>
+              </p:prevCondLst>
+              <p:nextCondLst>
+                <p:cond evt="onNext" delay="0">
+                  <p:tgtEl>
+                    <p:sldTgt/>
+                  </p:tgtEl>
+                </p:cond>
+              </p:nextCondLst>
+            </p:seq>
+          </p:childTnLst>
+        </p:cTn>
+      </p:par>
+    </p:tnLst>
+    <p:bldLst>
+      <p:bldP spid="3" grpId="0" build="p"/>
+    </p:bldLst>
+  </p:timing>
 </p:sld>
 </file>
 
@@ -4610,6 +5194,844 @@
   <p:clrMapOvr>
     <a:masterClrMapping/>
   </p:clrMapOvr>
+  <p:timing>
+    <p:tnLst>
+      <p:par>
+        <p:cTn id="1" dur="indefinite" restart="never" nodeType="tmRoot">
+          <p:childTnLst>
+            <p:seq concurrent="1" nextAc="seek">
+              <p:cTn id="2" dur="indefinite" nodeType="mainSeq">
+                <p:childTnLst>
+                  <p:par>
+                    <p:cTn id="3" fill="hold">
+                      <p:stCondLst>
+                        <p:cond delay="indefinite"/>
+                      </p:stCondLst>
+                      <p:childTnLst>
+                        <p:par>
+                          <p:cTn id="4" fill="hold">
+                            <p:stCondLst>
+                              <p:cond delay="0"/>
+                            </p:stCondLst>
+                            <p:childTnLst>
+                              <p:par>
+                                <p:cTn id="5" presetID="42" presetClass="entr" presetSubtype="0" fill="hold" grpId="0" nodeType="clickEffect">
+                                  <p:stCondLst>
+                                    <p:cond delay="0"/>
+                                  </p:stCondLst>
+                                  <p:childTnLst>
+                                    <p:set>
+                                      <p:cBhvr>
+                                        <p:cTn id="6" dur="1" fill="hold">
+                                          <p:stCondLst>
+                                            <p:cond delay="0"/>
+                                          </p:stCondLst>
+                                        </p:cTn>
+                                        <p:tgtEl>
+                                          <p:spTgt spid="3">
+                                            <p:txEl>
+                                              <p:pRg st="0" end="0"/>
+                                            </p:txEl>
+                                          </p:spTgt>
+                                        </p:tgtEl>
+                                        <p:attrNameLst>
+                                          <p:attrName>style.visibility</p:attrName>
+                                        </p:attrNameLst>
+                                      </p:cBhvr>
+                                      <p:to>
+                                        <p:strVal val="visible"/>
+                                      </p:to>
+                                    </p:set>
+                                    <p:animEffect transition="in" filter="fade">
+                                      <p:cBhvr>
+                                        <p:cTn id="7" dur="1000"/>
+                                        <p:tgtEl>
+                                          <p:spTgt spid="3">
+                                            <p:txEl>
+                                              <p:pRg st="0" end="0"/>
+                                            </p:txEl>
+                                          </p:spTgt>
+                                        </p:tgtEl>
+                                      </p:cBhvr>
+                                    </p:animEffect>
+                                    <p:anim calcmode="lin" valueType="num">
+                                      <p:cBhvr>
+                                        <p:cTn id="8" dur="1000" fill="hold"/>
+                                        <p:tgtEl>
+                                          <p:spTgt spid="3">
+                                            <p:txEl>
+                                              <p:pRg st="0" end="0"/>
+                                            </p:txEl>
+                                          </p:spTgt>
+                                        </p:tgtEl>
+                                        <p:attrNameLst>
+                                          <p:attrName>ppt_x</p:attrName>
+                                        </p:attrNameLst>
+                                      </p:cBhvr>
+                                      <p:tavLst>
+                                        <p:tav tm="0">
+                                          <p:val>
+                                            <p:strVal val="#ppt_x"/>
+                                          </p:val>
+                                        </p:tav>
+                                        <p:tav tm="100000">
+                                          <p:val>
+                                            <p:strVal val="#ppt_x"/>
+                                          </p:val>
+                                        </p:tav>
+                                      </p:tavLst>
+                                    </p:anim>
+                                    <p:anim calcmode="lin" valueType="num">
+                                      <p:cBhvr>
+                                        <p:cTn id="9" dur="1000" fill="hold"/>
+                                        <p:tgtEl>
+                                          <p:spTgt spid="3">
+                                            <p:txEl>
+                                              <p:pRg st="0" end="0"/>
+                                            </p:txEl>
+                                          </p:spTgt>
+                                        </p:tgtEl>
+                                        <p:attrNameLst>
+                                          <p:attrName>ppt_y</p:attrName>
+                                        </p:attrNameLst>
+                                      </p:cBhvr>
+                                      <p:tavLst>
+                                        <p:tav tm="0">
+                                          <p:val>
+                                            <p:strVal val="#ppt_y+.1"/>
+                                          </p:val>
+                                        </p:tav>
+                                        <p:tav tm="100000">
+                                          <p:val>
+                                            <p:strVal val="#ppt_y"/>
+                                          </p:val>
+                                        </p:tav>
+                                      </p:tavLst>
+                                    </p:anim>
+                                  </p:childTnLst>
+                                </p:cTn>
+                              </p:par>
+                            </p:childTnLst>
+                          </p:cTn>
+                        </p:par>
+                      </p:childTnLst>
+                    </p:cTn>
+                  </p:par>
+                  <p:par>
+                    <p:cTn id="10" fill="hold">
+                      <p:stCondLst>
+                        <p:cond delay="indefinite"/>
+                      </p:stCondLst>
+                      <p:childTnLst>
+                        <p:par>
+                          <p:cTn id="11" fill="hold">
+                            <p:stCondLst>
+                              <p:cond delay="0"/>
+                            </p:stCondLst>
+                            <p:childTnLst>
+                              <p:par>
+                                <p:cTn id="12" presetID="42" presetClass="entr" presetSubtype="0" fill="hold" grpId="0" nodeType="clickEffect">
+                                  <p:stCondLst>
+                                    <p:cond delay="0"/>
+                                  </p:stCondLst>
+                                  <p:childTnLst>
+                                    <p:set>
+                                      <p:cBhvr>
+                                        <p:cTn id="13" dur="1" fill="hold">
+                                          <p:stCondLst>
+                                            <p:cond delay="0"/>
+                                          </p:stCondLst>
+                                        </p:cTn>
+                                        <p:tgtEl>
+                                          <p:spTgt spid="3">
+                                            <p:txEl>
+                                              <p:pRg st="1" end="1"/>
+                                            </p:txEl>
+                                          </p:spTgt>
+                                        </p:tgtEl>
+                                        <p:attrNameLst>
+                                          <p:attrName>style.visibility</p:attrName>
+                                        </p:attrNameLst>
+                                      </p:cBhvr>
+                                      <p:to>
+                                        <p:strVal val="visible"/>
+                                      </p:to>
+                                    </p:set>
+                                    <p:animEffect transition="in" filter="fade">
+                                      <p:cBhvr>
+                                        <p:cTn id="14" dur="1000"/>
+                                        <p:tgtEl>
+                                          <p:spTgt spid="3">
+                                            <p:txEl>
+                                              <p:pRg st="1" end="1"/>
+                                            </p:txEl>
+                                          </p:spTgt>
+                                        </p:tgtEl>
+                                      </p:cBhvr>
+                                    </p:animEffect>
+                                    <p:anim calcmode="lin" valueType="num">
+                                      <p:cBhvr>
+                                        <p:cTn id="15" dur="1000" fill="hold"/>
+                                        <p:tgtEl>
+                                          <p:spTgt spid="3">
+                                            <p:txEl>
+                                              <p:pRg st="1" end="1"/>
+                                            </p:txEl>
+                                          </p:spTgt>
+                                        </p:tgtEl>
+                                        <p:attrNameLst>
+                                          <p:attrName>ppt_x</p:attrName>
+                                        </p:attrNameLst>
+                                      </p:cBhvr>
+                                      <p:tavLst>
+                                        <p:tav tm="0">
+                                          <p:val>
+                                            <p:strVal val="#ppt_x"/>
+                                          </p:val>
+                                        </p:tav>
+                                        <p:tav tm="100000">
+                                          <p:val>
+                                            <p:strVal val="#ppt_x"/>
+                                          </p:val>
+                                        </p:tav>
+                                      </p:tavLst>
+                                    </p:anim>
+                                    <p:anim calcmode="lin" valueType="num">
+                                      <p:cBhvr>
+                                        <p:cTn id="16" dur="1000" fill="hold"/>
+                                        <p:tgtEl>
+                                          <p:spTgt spid="3">
+                                            <p:txEl>
+                                              <p:pRg st="1" end="1"/>
+                                            </p:txEl>
+                                          </p:spTgt>
+                                        </p:tgtEl>
+                                        <p:attrNameLst>
+                                          <p:attrName>ppt_y</p:attrName>
+                                        </p:attrNameLst>
+                                      </p:cBhvr>
+                                      <p:tavLst>
+                                        <p:tav tm="0">
+                                          <p:val>
+                                            <p:strVal val="#ppt_y+.1"/>
+                                          </p:val>
+                                        </p:tav>
+                                        <p:tav tm="100000">
+                                          <p:val>
+                                            <p:strVal val="#ppt_y"/>
+                                          </p:val>
+                                        </p:tav>
+                                      </p:tavLst>
+                                    </p:anim>
+                                  </p:childTnLst>
+                                </p:cTn>
+                              </p:par>
+                            </p:childTnLst>
+                          </p:cTn>
+                        </p:par>
+                      </p:childTnLst>
+                    </p:cTn>
+                  </p:par>
+                  <p:par>
+                    <p:cTn id="17" fill="hold">
+                      <p:stCondLst>
+                        <p:cond delay="indefinite"/>
+                      </p:stCondLst>
+                      <p:childTnLst>
+                        <p:par>
+                          <p:cTn id="18" fill="hold">
+                            <p:stCondLst>
+                              <p:cond delay="0"/>
+                            </p:stCondLst>
+                            <p:childTnLst>
+                              <p:par>
+                                <p:cTn id="19" presetID="42" presetClass="entr" presetSubtype="0" fill="hold" grpId="0" nodeType="clickEffect">
+                                  <p:stCondLst>
+                                    <p:cond delay="0"/>
+                                  </p:stCondLst>
+                                  <p:childTnLst>
+                                    <p:set>
+                                      <p:cBhvr>
+                                        <p:cTn id="20" dur="1" fill="hold">
+                                          <p:stCondLst>
+                                            <p:cond delay="0"/>
+                                          </p:stCondLst>
+                                        </p:cTn>
+                                        <p:tgtEl>
+                                          <p:spTgt spid="3">
+                                            <p:txEl>
+                                              <p:pRg st="2" end="2"/>
+                                            </p:txEl>
+                                          </p:spTgt>
+                                        </p:tgtEl>
+                                        <p:attrNameLst>
+                                          <p:attrName>style.visibility</p:attrName>
+                                        </p:attrNameLst>
+                                      </p:cBhvr>
+                                      <p:to>
+                                        <p:strVal val="visible"/>
+                                      </p:to>
+                                    </p:set>
+                                    <p:animEffect transition="in" filter="fade">
+                                      <p:cBhvr>
+                                        <p:cTn id="21" dur="1000"/>
+                                        <p:tgtEl>
+                                          <p:spTgt spid="3">
+                                            <p:txEl>
+                                              <p:pRg st="2" end="2"/>
+                                            </p:txEl>
+                                          </p:spTgt>
+                                        </p:tgtEl>
+                                      </p:cBhvr>
+                                    </p:animEffect>
+                                    <p:anim calcmode="lin" valueType="num">
+                                      <p:cBhvr>
+                                        <p:cTn id="22" dur="1000" fill="hold"/>
+                                        <p:tgtEl>
+                                          <p:spTgt spid="3">
+                                            <p:txEl>
+                                              <p:pRg st="2" end="2"/>
+                                            </p:txEl>
+                                          </p:spTgt>
+                                        </p:tgtEl>
+                                        <p:attrNameLst>
+                                          <p:attrName>ppt_x</p:attrName>
+                                        </p:attrNameLst>
+                                      </p:cBhvr>
+                                      <p:tavLst>
+                                        <p:tav tm="0">
+                                          <p:val>
+                                            <p:strVal val="#ppt_x"/>
+                                          </p:val>
+                                        </p:tav>
+                                        <p:tav tm="100000">
+                                          <p:val>
+                                            <p:strVal val="#ppt_x"/>
+                                          </p:val>
+                                        </p:tav>
+                                      </p:tavLst>
+                                    </p:anim>
+                                    <p:anim calcmode="lin" valueType="num">
+                                      <p:cBhvr>
+                                        <p:cTn id="23" dur="1000" fill="hold"/>
+                                        <p:tgtEl>
+                                          <p:spTgt spid="3">
+                                            <p:txEl>
+                                              <p:pRg st="2" end="2"/>
+                                            </p:txEl>
+                                          </p:spTgt>
+                                        </p:tgtEl>
+                                        <p:attrNameLst>
+                                          <p:attrName>ppt_y</p:attrName>
+                                        </p:attrNameLst>
+                                      </p:cBhvr>
+                                      <p:tavLst>
+                                        <p:tav tm="0">
+                                          <p:val>
+                                            <p:strVal val="#ppt_y+.1"/>
+                                          </p:val>
+                                        </p:tav>
+                                        <p:tav tm="100000">
+                                          <p:val>
+                                            <p:strVal val="#ppt_y"/>
+                                          </p:val>
+                                        </p:tav>
+                                      </p:tavLst>
+                                    </p:anim>
+                                  </p:childTnLst>
+                                </p:cTn>
+                              </p:par>
+                            </p:childTnLst>
+                          </p:cTn>
+                        </p:par>
+                      </p:childTnLst>
+                    </p:cTn>
+                  </p:par>
+                  <p:par>
+                    <p:cTn id="24" fill="hold">
+                      <p:stCondLst>
+                        <p:cond delay="indefinite"/>
+                      </p:stCondLst>
+                      <p:childTnLst>
+                        <p:par>
+                          <p:cTn id="25" fill="hold">
+                            <p:stCondLst>
+                              <p:cond delay="0"/>
+                            </p:stCondLst>
+                            <p:childTnLst>
+                              <p:par>
+                                <p:cTn id="26" presetID="42" presetClass="entr" presetSubtype="0" fill="hold" grpId="0" nodeType="clickEffect">
+                                  <p:stCondLst>
+                                    <p:cond delay="0"/>
+                                  </p:stCondLst>
+                                  <p:childTnLst>
+                                    <p:set>
+                                      <p:cBhvr>
+                                        <p:cTn id="27" dur="1" fill="hold">
+                                          <p:stCondLst>
+                                            <p:cond delay="0"/>
+                                          </p:stCondLst>
+                                        </p:cTn>
+                                        <p:tgtEl>
+                                          <p:spTgt spid="3">
+                                            <p:txEl>
+                                              <p:pRg st="4" end="4"/>
+                                            </p:txEl>
+                                          </p:spTgt>
+                                        </p:tgtEl>
+                                        <p:attrNameLst>
+                                          <p:attrName>style.visibility</p:attrName>
+                                        </p:attrNameLst>
+                                      </p:cBhvr>
+                                      <p:to>
+                                        <p:strVal val="visible"/>
+                                      </p:to>
+                                    </p:set>
+                                    <p:animEffect transition="in" filter="fade">
+                                      <p:cBhvr>
+                                        <p:cTn id="28" dur="1000"/>
+                                        <p:tgtEl>
+                                          <p:spTgt spid="3">
+                                            <p:txEl>
+                                              <p:pRg st="4" end="4"/>
+                                            </p:txEl>
+                                          </p:spTgt>
+                                        </p:tgtEl>
+                                      </p:cBhvr>
+                                    </p:animEffect>
+                                    <p:anim calcmode="lin" valueType="num">
+                                      <p:cBhvr>
+                                        <p:cTn id="29" dur="1000" fill="hold"/>
+                                        <p:tgtEl>
+                                          <p:spTgt spid="3">
+                                            <p:txEl>
+                                              <p:pRg st="4" end="4"/>
+                                            </p:txEl>
+                                          </p:spTgt>
+                                        </p:tgtEl>
+                                        <p:attrNameLst>
+                                          <p:attrName>ppt_x</p:attrName>
+                                        </p:attrNameLst>
+                                      </p:cBhvr>
+                                      <p:tavLst>
+                                        <p:tav tm="0">
+                                          <p:val>
+                                            <p:strVal val="#ppt_x"/>
+                                          </p:val>
+                                        </p:tav>
+                                        <p:tav tm="100000">
+                                          <p:val>
+                                            <p:strVal val="#ppt_x"/>
+                                          </p:val>
+                                        </p:tav>
+                                      </p:tavLst>
+                                    </p:anim>
+                                    <p:anim calcmode="lin" valueType="num">
+                                      <p:cBhvr>
+                                        <p:cTn id="30" dur="1000" fill="hold"/>
+                                        <p:tgtEl>
+                                          <p:spTgt spid="3">
+                                            <p:txEl>
+                                              <p:pRg st="4" end="4"/>
+                                            </p:txEl>
+                                          </p:spTgt>
+                                        </p:tgtEl>
+                                        <p:attrNameLst>
+                                          <p:attrName>ppt_y</p:attrName>
+                                        </p:attrNameLst>
+                                      </p:cBhvr>
+                                      <p:tavLst>
+                                        <p:tav tm="0">
+                                          <p:val>
+                                            <p:strVal val="#ppt_y+.1"/>
+                                          </p:val>
+                                        </p:tav>
+                                        <p:tav tm="100000">
+                                          <p:val>
+                                            <p:strVal val="#ppt_y"/>
+                                          </p:val>
+                                        </p:tav>
+                                      </p:tavLst>
+                                    </p:anim>
+                                  </p:childTnLst>
+                                </p:cTn>
+                              </p:par>
+                            </p:childTnLst>
+                          </p:cTn>
+                        </p:par>
+                      </p:childTnLst>
+                    </p:cTn>
+                  </p:par>
+                  <p:par>
+                    <p:cTn id="31" fill="hold">
+                      <p:stCondLst>
+                        <p:cond delay="indefinite"/>
+                      </p:stCondLst>
+                      <p:childTnLst>
+                        <p:par>
+                          <p:cTn id="32" fill="hold">
+                            <p:stCondLst>
+                              <p:cond delay="0"/>
+                            </p:stCondLst>
+                            <p:childTnLst>
+                              <p:par>
+                                <p:cTn id="33" presetID="42" presetClass="entr" presetSubtype="0" fill="hold" grpId="0" nodeType="clickEffect">
+                                  <p:stCondLst>
+                                    <p:cond delay="0"/>
+                                  </p:stCondLst>
+                                  <p:childTnLst>
+                                    <p:set>
+                                      <p:cBhvr>
+                                        <p:cTn id="34" dur="1" fill="hold">
+                                          <p:stCondLst>
+                                            <p:cond delay="0"/>
+                                          </p:stCondLst>
+                                        </p:cTn>
+                                        <p:tgtEl>
+                                          <p:spTgt spid="3">
+                                            <p:txEl>
+                                              <p:pRg st="5" end="5"/>
+                                            </p:txEl>
+                                          </p:spTgt>
+                                        </p:tgtEl>
+                                        <p:attrNameLst>
+                                          <p:attrName>style.visibility</p:attrName>
+                                        </p:attrNameLst>
+                                      </p:cBhvr>
+                                      <p:to>
+                                        <p:strVal val="visible"/>
+                                      </p:to>
+                                    </p:set>
+                                    <p:animEffect transition="in" filter="fade">
+                                      <p:cBhvr>
+                                        <p:cTn id="35" dur="1000"/>
+                                        <p:tgtEl>
+                                          <p:spTgt spid="3">
+                                            <p:txEl>
+                                              <p:pRg st="5" end="5"/>
+                                            </p:txEl>
+                                          </p:spTgt>
+                                        </p:tgtEl>
+                                      </p:cBhvr>
+                                    </p:animEffect>
+                                    <p:anim calcmode="lin" valueType="num">
+                                      <p:cBhvr>
+                                        <p:cTn id="36" dur="1000" fill="hold"/>
+                                        <p:tgtEl>
+                                          <p:spTgt spid="3">
+                                            <p:txEl>
+                                              <p:pRg st="5" end="5"/>
+                                            </p:txEl>
+                                          </p:spTgt>
+                                        </p:tgtEl>
+                                        <p:attrNameLst>
+                                          <p:attrName>ppt_x</p:attrName>
+                                        </p:attrNameLst>
+                                      </p:cBhvr>
+                                      <p:tavLst>
+                                        <p:tav tm="0">
+                                          <p:val>
+                                            <p:strVal val="#ppt_x"/>
+                                          </p:val>
+                                        </p:tav>
+                                        <p:tav tm="100000">
+                                          <p:val>
+                                            <p:strVal val="#ppt_x"/>
+                                          </p:val>
+                                        </p:tav>
+                                      </p:tavLst>
+                                    </p:anim>
+                                    <p:anim calcmode="lin" valueType="num">
+                                      <p:cBhvr>
+                                        <p:cTn id="37" dur="1000" fill="hold"/>
+                                        <p:tgtEl>
+                                          <p:spTgt spid="3">
+                                            <p:txEl>
+                                              <p:pRg st="5" end="5"/>
+                                            </p:txEl>
+                                          </p:spTgt>
+                                        </p:tgtEl>
+                                        <p:attrNameLst>
+                                          <p:attrName>ppt_y</p:attrName>
+                                        </p:attrNameLst>
+                                      </p:cBhvr>
+                                      <p:tavLst>
+                                        <p:tav tm="0">
+                                          <p:val>
+                                            <p:strVal val="#ppt_y+.1"/>
+                                          </p:val>
+                                        </p:tav>
+                                        <p:tav tm="100000">
+                                          <p:val>
+                                            <p:strVal val="#ppt_y"/>
+                                          </p:val>
+                                        </p:tav>
+                                      </p:tavLst>
+                                    </p:anim>
+                                  </p:childTnLst>
+                                </p:cTn>
+                              </p:par>
+                            </p:childTnLst>
+                          </p:cTn>
+                        </p:par>
+                      </p:childTnLst>
+                    </p:cTn>
+                  </p:par>
+                  <p:par>
+                    <p:cTn id="38" fill="hold">
+                      <p:stCondLst>
+                        <p:cond delay="indefinite"/>
+                      </p:stCondLst>
+                      <p:childTnLst>
+                        <p:par>
+                          <p:cTn id="39" fill="hold">
+                            <p:stCondLst>
+                              <p:cond delay="0"/>
+                            </p:stCondLst>
+                            <p:childTnLst>
+                              <p:par>
+                                <p:cTn id="40" presetID="42" presetClass="entr" presetSubtype="0" fill="hold" grpId="0" nodeType="clickEffect">
+                                  <p:stCondLst>
+                                    <p:cond delay="0"/>
+                                  </p:stCondLst>
+                                  <p:childTnLst>
+                                    <p:set>
+                                      <p:cBhvr>
+                                        <p:cTn id="41" dur="1" fill="hold">
+                                          <p:stCondLst>
+                                            <p:cond delay="0"/>
+                                          </p:stCondLst>
+                                        </p:cTn>
+                                        <p:tgtEl>
+                                          <p:spTgt spid="3">
+                                            <p:txEl>
+                                              <p:pRg st="6" end="6"/>
+                                            </p:txEl>
+                                          </p:spTgt>
+                                        </p:tgtEl>
+                                        <p:attrNameLst>
+                                          <p:attrName>style.visibility</p:attrName>
+                                        </p:attrNameLst>
+                                      </p:cBhvr>
+                                      <p:to>
+                                        <p:strVal val="visible"/>
+                                      </p:to>
+                                    </p:set>
+                                    <p:animEffect transition="in" filter="fade">
+                                      <p:cBhvr>
+                                        <p:cTn id="42" dur="1000"/>
+                                        <p:tgtEl>
+                                          <p:spTgt spid="3">
+                                            <p:txEl>
+                                              <p:pRg st="6" end="6"/>
+                                            </p:txEl>
+                                          </p:spTgt>
+                                        </p:tgtEl>
+                                      </p:cBhvr>
+                                    </p:animEffect>
+                                    <p:anim calcmode="lin" valueType="num">
+                                      <p:cBhvr>
+                                        <p:cTn id="43" dur="1000" fill="hold"/>
+                                        <p:tgtEl>
+                                          <p:spTgt spid="3">
+                                            <p:txEl>
+                                              <p:pRg st="6" end="6"/>
+                                            </p:txEl>
+                                          </p:spTgt>
+                                        </p:tgtEl>
+                                        <p:attrNameLst>
+                                          <p:attrName>ppt_x</p:attrName>
+                                        </p:attrNameLst>
+                                      </p:cBhvr>
+                                      <p:tavLst>
+                                        <p:tav tm="0">
+                                          <p:val>
+                                            <p:strVal val="#ppt_x"/>
+                                          </p:val>
+                                        </p:tav>
+                                        <p:tav tm="100000">
+                                          <p:val>
+                                            <p:strVal val="#ppt_x"/>
+                                          </p:val>
+                                        </p:tav>
+                                      </p:tavLst>
+                                    </p:anim>
+                                    <p:anim calcmode="lin" valueType="num">
+                                      <p:cBhvr>
+                                        <p:cTn id="44" dur="1000" fill="hold"/>
+                                        <p:tgtEl>
+                                          <p:spTgt spid="3">
+                                            <p:txEl>
+                                              <p:pRg st="6" end="6"/>
+                                            </p:txEl>
+                                          </p:spTgt>
+                                        </p:tgtEl>
+                                        <p:attrNameLst>
+                                          <p:attrName>ppt_y</p:attrName>
+                                        </p:attrNameLst>
+                                      </p:cBhvr>
+                                      <p:tavLst>
+                                        <p:tav tm="0">
+                                          <p:val>
+                                            <p:strVal val="#ppt_y+.1"/>
+                                          </p:val>
+                                        </p:tav>
+                                        <p:tav tm="100000">
+                                          <p:val>
+                                            <p:strVal val="#ppt_y"/>
+                                          </p:val>
+                                        </p:tav>
+                                      </p:tavLst>
+                                    </p:anim>
+                                  </p:childTnLst>
+                                </p:cTn>
+                              </p:par>
+                            </p:childTnLst>
+                          </p:cTn>
+                        </p:par>
+                      </p:childTnLst>
+                    </p:cTn>
+                  </p:par>
+                  <p:par>
+                    <p:cTn id="45" fill="hold">
+                      <p:stCondLst>
+                        <p:cond delay="indefinite"/>
+                      </p:stCondLst>
+                      <p:childTnLst>
+                        <p:par>
+                          <p:cTn id="46" fill="hold">
+                            <p:stCondLst>
+                              <p:cond delay="0"/>
+                            </p:stCondLst>
+                            <p:childTnLst>
+                              <p:par>
+                                <p:cTn id="47" presetID="42" presetClass="entr" presetSubtype="0" fill="hold" grpId="0" nodeType="clickEffect">
+                                  <p:stCondLst>
+                                    <p:cond delay="0"/>
+                                  </p:stCondLst>
+                                  <p:childTnLst>
+                                    <p:set>
+                                      <p:cBhvr>
+                                        <p:cTn id="48" dur="1" fill="hold">
+                                          <p:stCondLst>
+                                            <p:cond delay="0"/>
+                                          </p:stCondLst>
+                                        </p:cTn>
+                                        <p:tgtEl>
+                                          <p:spTgt spid="3">
+                                            <p:txEl>
+                                              <p:pRg st="10" end="10"/>
+                                            </p:txEl>
+                                          </p:spTgt>
+                                        </p:tgtEl>
+                                        <p:attrNameLst>
+                                          <p:attrName>style.visibility</p:attrName>
+                                        </p:attrNameLst>
+                                      </p:cBhvr>
+                                      <p:to>
+                                        <p:strVal val="visible"/>
+                                      </p:to>
+                                    </p:set>
+                                    <p:animEffect transition="in" filter="fade">
+                                      <p:cBhvr>
+                                        <p:cTn id="49" dur="1000"/>
+                                        <p:tgtEl>
+                                          <p:spTgt spid="3">
+                                            <p:txEl>
+                                              <p:pRg st="10" end="10"/>
+                                            </p:txEl>
+                                          </p:spTgt>
+                                        </p:tgtEl>
+                                      </p:cBhvr>
+                                    </p:animEffect>
+                                    <p:anim calcmode="lin" valueType="num">
+                                      <p:cBhvr>
+                                        <p:cTn id="50" dur="1000" fill="hold"/>
+                                        <p:tgtEl>
+                                          <p:spTgt spid="3">
+                                            <p:txEl>
+                                              <p:pRg st="10" end="10"/>
+                                            </p:txEl>
+                                          </p:spTgt>
+                                        </p:tgtEl>
+                                        <p:attrNameLst>
+                                          <p:attrName>ppt_x</p:attrName>
+                                        </p:attrNameLst>
+                                      </p:cBhvr>
+                                      <p:tavLst>
+                                        <p:tav tm="0">
+                                          <p:val>
+                                            <p:strVal val="#ppt_x"/>
+                                          </p:val>
+                                        </p:tav>
+                                        <p:tav tm="100000">
+                                          <p:val>
+                                            <p:strVal val="#ppt_x"/>
+                                          </p:val>
+                                        </p:tav>
+                                      </p:tavLst>
+                                    </p:anim>
+                                    <p:anim calcmode="lin" valueType="num">
+                                      <p:cBhvr>
+                                        <p:cTn id="51" dur="1000" fill="hold"/>
+                                        <p:tgtEl>
+                                          <p:spTgt spid="3">
+                                            <p:txEl>
+                                              <p:pRg st="10" end="10"/>
+                                            </p:txEl>
+                                          </p:spTgt>
+                                        </p:tgtEl>
+                                        <p:attrNameLst>
+                                          <p:attrName>ppt_y</p:attrName>
+                                        </p:attrNameLst>
+                                      </p:cBhvr>
+                                      <p:tavLst>
+                                        <p:tav tm="0">
+                                          <p:val>
+                                            <p:strVal val="#ppt_y+.1"/>
+                                          </p:val>
+                                        </p:tav>
+                                        <p:tav tm="100000">
+                                          <p:val>
+                                            <p:strVal val="#ppt_y"/>
+                                          </p:val>
+                                        </p:tav>
+                                      </p:tavLst>
+                                    </p:anim>
+                                  </p:childTnLst>
+                                </p:cTn>
+                              </p:par>
+                            </p:childTnLst>
+                          </p:cTn>
+                        </p:par>
+                      </p:childTnLst>
+                    </p:cTn>
+                  </p:par>
+                </p:childTnLst>
+              </p:cTn>
+              <p:prevCondLst>
+                <p:cond evt="onPrev" delay="0">
+                  <p:tgtEl>
+                    <p:sldTgt/>
+                  </p:tgtEl>
+                </p:cond>
+              </p:prevCondLst>
+              <p:nextCondLst>
+                <p:cond evt="onNext" delay="0">
+                  <p:tgtEl>
+                    <p:sldTgt/>
+                  </p:tgtEl>
+                </p:cond>
+              </p:nextCondLst>
+            </p:seq>
+          </p:childTnLst>
+        </p:cTn>
+      </p:par>
+    </p:tnLst>
+    <p:bldLst>
+      <p:bldP spid="3" grpId="0" build="p"/>
+    </p:bldLst>
+  </p:timing>
 </p:sld>
 </file>
 
@@ -4697,6 +6119,183 @@
   <p:clrMapOvr>
     <a:masterClrMapping/>
   </p:clrMapOvr>
+  <p:timing>
+    <p:tnLst>
+      <p:par>
+        <p:cTn id="1" dur="indefinite" restart="never" nodeType="tmRoot">
+          <p:childTnLst>
+            <p:seq concurrent="1" nextAc="seek">
+              <p:cTn id="2" dur="indefinite" nodeType="mainSeq">
+                <p:childTnLst>
+                  <p:par>
+                    <p:cTn id="3" fill="hold">
+                      <p:stCondLst>
+                        <p:cond delay="indefinite"/>
+                      </p:stCondLst>
+                      <p:childTnLst>
+                        <p:par>
+                          <p:cTn id="4" fill="hold">
+                            <p:stCondLst>
+                              <p:cond delay="0"/>
+                            </p:stCondLst>
+                            <p:childTnLst>
+                              <p:par>
+                                <p:cTn id="5" presetID="23" presetClass="entr" presetSubtype="16" fill="hold" grpId="0" nodeType="clickEffect">
+                                  <p:stCondLst>
+                                    <p:cond delay="0"/>
+                                  </p:stCondLst>
+                                  <p:childTnLst>
+                                    <p:set>
+                                      <p:cBhvr>
+                                        <p:cTn id="6" dur="1" fill="hold">
+                                          <p:stCondLst>
+                                            <p:cond delay="0"/>
+                                          </p:stCondLst>
+                                        </p:cTn>
+                                        <p:tgtEl>
+                                          <p:spTgt spid="2"/>
+                                        </p:tgtEl>
+                                        <p:attrNameLst>
+                                          <p:attrName>style.visibility</p:attrName>
+                                        </p:attrNameLst>
+                                      </p:cBhvr>
+                                      <p:to>
+                                        <p:strVal val="visible"/>
+                                      </p:to>
+                                    </p:set>
+                                    <p:anim calcmode="lin" valueType="num">
+                                      <p:cBhvr>
+                                        <p:cTn id="7" dur="500" fill="hold"/>
+                                        <p:tgtEl>
+                                          <p:spTgt spid="2"/>
+                                        </p:tgtEl>
+                                        <p:attrNameLst>
+                                          <p:attrName>ppt_w</p:attrName>
+                                        </p:attrNameLst>
+                                      </p:cBhvr>
+                                      <p:tavLst>
+                                        <p:tav tm="0">
+                                          <p:val>
+                                            <p:fltVal val="0"/>
+                                          </p:val>
+                                        </p:tav>
+                                        <p:tav tm="100000">
+                                          <p:val>
+                                            <p:strVal val="#ppt_w"/>
+                                          </p:val>
+                                        </p:tav>
+                                      </p:tavLst>
+                                    </p:anim>
+                                    <p:anim calcmode="lin" valueType="num">
+                                      <p:cBhvr>
+                                        <p:cTn id="8" dur="500" fill="hold"/>
+                                        <p:tgtEl>
+                                          <p:spTgt spid="2"/>
+                                        </p:tgtEl>
+                                        <p:attrNameLst>
+                                          <p:attrName>ppt_h</p:attrName>
+                                        </p:attrNameLst>
+                                      </p:cBhvr>
+                                      <p:tavLst>
+                                        <p:tav tm="0">
+                                          <p:val>
+                                            <p:fltVal val="0"/>
+                                          </p:val>
+                                        </p:tav>
+                                        <p:tav tm="100000">
+                                          <p:val>
+                                            <p:strVal val="#ppt_h"/>
+                                          </p:val>
+                                        </p:tav>
+                                      </p:tavLst>
+                                    </p:anim>
+                                  </p:childTnLst>
+                                </p:cTn>
+                              </p:par>
+                            </p:childTnLst>
+                          </p:cTn>
+                        </p:par>
+                      </p:childTnLst>
+                    </p:cTn>
+                  </p:par>
+                  <p:par>
+                    <p:cTn id="9" fill="hold">
+                      <p:stCondLst>
+                        <p:cond delay="indefinite"/>
+                      </p:stCondLst>
+                      <p:childTnLst>
+                        <p:par>
+                          <p:cTn id="10" fill="hold">
+                            <p:stCondLst>
+                              <p:cond delay="0"/>
+                            </p:stCondLst>
+                            <p:childTnLst>
+                              <p:par>
+                                <p:cTn id="11" presetID="22" presetClass="entr" presetSubtype="4" fill="hold" nodeType="clickEffect">
+                                  <p:stCondLst>
+                                    <p:cond delay="0"/>
+                                  </p:stCondLst>
+                                  <p:childTnLst>
+                                    <p:set>
+                                      <p:cBhvr>
+                                        <p:cTn id="12" dur="1" fill="hold">
+                                          <p:stCondLst>
+                                            <p:cond delay="0"/>
+                                          </p:stCondLst>
+                                        </p:cTn>
+                                        <p:tgtEl>
+                                          <p:spTgt spid="7"/>
+                                        </p:tgtEl>
+                                        <p:attrNameLst>
+                                          <p:attrName>style.visibility</p:attrName>
+                                        </p:attrNameLst>
+                                      </p:cBhvr>
+                                      <p:to>
+                                        <p:strVal val="visible"/>
+                                      </p:to>
+                                    </p:set>
+                                    <p:animEffect transition="in" filter="wipe(down)">
+                                      <p:cBhvr>
+                                        <p:cTn id="13" dur="500"/>
+                                        <p:tgtEl>
+                                          <p:spTgt spid="7"/>
+                                        </p:tgtEl>
+                                      </p:cBhvr>
+                                    </p:animEffect>
+                                  </p:childTnLst>
+                                </p:cTn>
+                              </p:par>
+                            </p:childTnLst>
+                          </p:cTn>
+                        </p:par>
+                      </p:childTnLst>
+                    </p:cTn>
+                  </p:par>
+                </p:childTnLst>
+              </p:cTn>
+              <p:prevCondLst>
+                <p:cond evt="onPrev" delay="0">
+                  <p:tgtEl>
+                    <p:sldTgt/>
+                  </p:tgtEl>
+                </p:cond>
+              </p:prevCondLst>
+              <p:nextCondLst>
+                <p:cond evt="onNext" delay="0">
+                  <p:tgtEl>
+                    <p:sldTgt/>
+                  </p:tgtEl>
+                </p:cond>
+              </p:nextCondLst>
+            </p:seq>
+          </p:childTnLst>
+        </p:cTn>
+      </p:par>
+    </p:tnLst>
+    <p:bldLst>
+      <p:bldP spid="2" grpId="0"/>
+    </p:bldLst>
+  </p:timing>
 </p:sld>
 </file>
 
@@ -4792,6 +6391,135 @@
   <p:clrMapOvr>
     <a:masterClrMapping/>
   </p:clrMapOvr>
+  <p:timing>
+    <p:tnLst>
+      <p:par>
+        <p:cTn id="1" dur="indefinite" restart="never" nodeType="tmRoot">
+          <p:childTnLst>
+            <p:seq concurrent="1" nextAc="seek">
+              <p:cTn id="2" dur="indefinite" nodeType="mainSeq">
+                <p:childTnLst>
+                  <p:par>
+                    <p:cTn id="3" fill="hold">
+                      <p:stCondLst>
+                        <p:cond delay="indefinite"/>
+                      </p:stCondLst>
+                      <p:childTnLst>
+                        <p:par>
+                          <p:cTn id="4" fill="hold">
+                            <p:stCondLst>
+                              <p:cond delay="0"/>
+                            </p:stCondLst>
+                            <p:childTnLst>
+                              <p:par>
+                                <p:cTn id="5" presetID="42" presetClass="entr" presetSubtype="0" fill="hold" nodeType="clickEffect">
+                                  <p:stCondLst>
+                                    <p:cond delay="0"/>
+                                  </p:stCondLst>
+                                  <p:childTnLst>
+                                    <p:set>
+                                      <p:cBhvr>
+                                        <p:cTn id="6" dur="1" fill="hold">
+                                          <p:stCondLst>
+                                            <p:cond delay="0"/>
+                                          </p:stCondLst>
+                                        </p:cTn>
+                                        <p:tgtEl>
+                                          <p:spTgt spid="4"/>
+                                        </p:tgtEl>
+                                        <p:attrNameLst>
+                                          <p:attrName>style.visibility</p:attrName>
+                                        </p:attrNameLst>
+                                      </p:cBhvr>
+                                      <p:to>
+                                        <p:strVal val="visible"/>
+                                      </p:to>
+                                    </p:set>
+                                    <p:animEffect transition="in" filter="fade">
+                                      <p:cBhvr>
+                                        <p:cTn id="7" dur="1000"/>
+                                        <p:tgtEl>
+                                          <p:spTgt spid="4"/>
+                                        </p:tgtEl>
+                                      </p:cBhvr>
+                                    </p:animEffect>
+                                    <p:anim calcmode="lin" valueType="num">
+                                      <p:cBhvr>
+                                        <p:cTn id="8" dur="1000" fill="hold"/>
+                                        <p:tgtEl>
+                                          <p:spTgt spid="4"/>
+                                        </p:tgtEl>
+                                        <p:attrNameLst>
+                                          <p:attrName>ppt_x</p:attrName>
+                                        </p:attrNameLst>
+                                      </p:cBhvr>
+                                      <p:tavLst>
+                                        <p:tav tm="0">
+                                          <p:val>
+                                            <p:strVal val="#ppt_x"/>
+                                          </p:val>
+                                        </p:tav>
+                                        <p:tav tm="100000">
+                                          <p:val>
+                                            <p:strVal val="#ppt_x"/>
+                                          </p:val>
+                                        </p:tav>
+                                      </p:tavLst>
+                                    </p:anim>
+                                    <p:anim calcmode="lin" valueType="num">
+                                      <p:cBhvr>
+                                        <p:cTn id="9" dur="1000" fill="hold"/>
+                                        <p:tgtEl>
+                                          <p:spTgt spid="4"/>
+                                        </p:tgtEl>
+                                        <p:attrNameLst>
+                                          <p:attrName>ppt_y</p:attrName>
+                                        </p:attrNameLst>
+                                      </p:cBhvr>
+                                      <p:tavLst>
+                                        <p:tav tm="0">
+                                          <p:val>
+                                            <p:strVal val="#ppt_y+.1"/>
+                                          </p:val>
+                                        </p:tav>
+                                        <p:tav tm="100000">
+                                          <p:val>
+                                            <p:strVal val="#ppt_y"/>
+                                          </p:val>
+                                        </p:tav>
+                                      </p:tavLst>
+                                    </p:anim>
+                                  </p:childTnLst>
+                                </p:cTn>
+                              </p:par>
+                            </p:childTnLst>
+                          </p:cTn>
+                        </p:par>
+                      </p:childTnLst>
+                    </p:cTn>
+                  </p:par>
+                </p:childTnLst>
+              </p:cTn>
+              <p:prevCondLst>
+                <p:cond evt="onPrev" delay="0">
+                  <p:tgtEl>
+                    <p:sldTgt/>
+                  </p:tgtEl>
+                </p:cond>
+              </p:prevCondLst>
+              <p:nextCondLst>
+                <p:cond evt="onNext" delay="0">
+                  <p:tgtEl>
+                    <p:sldTgt/>
+                  </p:tgtEl>
+                </p:cond>
+              </p:nextCondLst>
+            </p:seq>
+          </p:childTnLst>
+        </p:cTn>
+      </p:par>
+    </p:tnLst>
+  </p:timing>
 </p:sld>
 </file>
 
@@ -4849,19 +6577,7 @@
                 <a:effectLst/>
                 <a:latin typeface="Roboto"/>
               </a:rPr>
-              <a:t>Collections </a:t>
-            </a:r>
-            <a:r>
-              <a:rPr lang="en-US" b="1" i="0" dirty="0">
-                <a:solidFill>
-                  <a:schemeClr val="accent2">
-                    <a:lumMod val="75000"/>
-                  </a:schemeClr>
-                </a:solidFill>
-                <a:effectLst/>
-                <a:latin typeface="DejaVu Sans"/>
-              </a:rPr>
-              <a:t>Interface</a:t>
+              <a:t>Collection</a:t>
             </a:r>
             <a:r>
               <a:rPr lang="en-US" b="1" i="0" dirty="0">
@@ -5281,6 +6997,183 @@
   <p:clrMapOvr>
     <a:masterClrMapping/>
   </p:clrMapOvr>
+  <p:timing>
+    <p:tnLst>
+      <p:par>
+        <p:cTn id="1" dur="indefinite" restart="never" nodeType="tmRoot">
+          <p:childTnLst>
+            <p:seq concurrent="1" nextAc="seek">
+              <p:cTn id="2" dur="indefinite" nodeType="mainSeq">
+                <p:childTnLst>
+                  <p:par>
+                    <p:cTn id="3" fill="hold">
+                      <p:stCondLst>
+                        <p:cond delay="indefinite"/>
+                      </p:stCondLst>
+                      <p:childTnLst>
+                        <p:par>
+                          <p:cTn id="4" fill="hold">
+                            <p:stCondLst>
+                              <p:cond delay="0"/>
+                            </p:stCondLst>
+                            <p:childTnLst>
+                              <p:par>
+                                <p:cTn id="5" presetID="2" presetClass="entr" presetSubtype="4" fill="hold" grpId="0" nodeType="clickEffect">
+                                  <p:stCondLst>
+                                    <p:cond delay="0"/>
+                                  </p:stCondLst>
+                                  <p:childTnLst>
+                                    <p:set>
+                                      <p:cBhvr>
+                                        <p:cTn id="6" dur="1" fill="hold">
+                                          <p:stCondLst>
+                                            <p:cond delay="0"/>
+                                          </p:stCondLst>
+                                        </p:cTn>
+                                        <p:tgtEl>
+                                          <p:spTgt spid="10"/>
+                                        </p:tgtEl>
+                                        <p:attrNameLst>
+                                          <p:attrName>style.visibility</p:attrName>
+                                        </p:attrNameLst>
+                                      </p:cBhvr>
+                                      <p:to>
+                                        <p:strVal val="visible"/>
+                                      </p:to>
+                                    </p:set>
+                                    <p:anim calcmode="lin" valueType="num">
+                                      <p:cBhvr additive="base">
+                                        <p:cTn id="7" dur="500" fill="hold"/>
+                                        <p:tgtEl>
+                                          <p:spTgt spid="10"/>
+                                        </p:tgtEl>
+                                        <p:attrNameLst>
+                                          <p:attrName>ppt_x</p:attrName>
+                                        </p:attrNameLst>
+                                      </p:cBhvr>
+                                      <p:tavLst>
+                                        <p:tav tm="0">
+                                          <p:val>
+                                            <p:strVal val="#ppt_x"/>
+                                          </p:val>
+                                        </p:tav>
+                                        <p:tav tm="100000">
+                                          <p:val>
+                                            <p:strVal val="#ppt_x"/>
+                                          </p:val>
+                                        </p:tav>
+                                      </p:tavLst>
+                                    </p:anim>
+                                    <p:anim calcmode="lin" valueType="num">
+                                      <p:cBhvr additive="base">
+                                        <p:cTn id="8" dur="500" fill="hold"/>
+                                        <p:tgtEl>
+                                          <p:spTgt spid="10"/>
+                                        </p:tgtEl>
+                                        <p:attrNameLst>
+                                          <p:attrName>ppt_y</p:attrName>
+                                        </p:attrNameLst>
+                                      </p:cBhvr>
+                                      <p:tavLst>
+                                        <p:tav tm="0">
+                                          <p:val>
+                                            <p:strVal val="1+#ppt_h/2"/>
+                                          </p:val>
+                                        </p:tav>
+                                        <p:tav tm="100000">
+                                          <p:val>
+                                            <p:strVal val="#ppt_y"/>
+                                          </p:val>
+                                        </p:tav>
+                                      </p:tavLst>
+                                    </p:anim>
+                                  </p:childTnLst>
+                                </p:cTn>
+                              </p:par>
+                            </p:childTnLst>
+                          </p:cTn>
+                        </p:par>
+                      </p:childTnLst>
+                    </p:cTn>
+                  </p:par>
+                  <p:par>
+                    <p:cTn id="9" fill="hold">
+                      <p:stCondLst>
+                        <p:cond delay="indefinite"/>
+                      </p:stCondLst>
+                      <p:childTnLst>
+                        <p:par>
+                          <p:cTn id="10" fill="hold">
+                            <p:stCondLst>
+                              <p:cond delay="0"/>
+                            </p:stCondLst>
+                            <p:childTnLst>
+                              <p:par>
+                                <p:cTn id="11" presetID="14" presetClass="entr" presetSubtype="10" fill="hold" nodeType="clickEffect">
+                                  <p:stCondLst>
+                                    <p:cond delay="0"/>
+                                  </p:stCondLst>
+                                  <p:childTnLst>
+                                    <p:set>
+                                      <p:cBhvr>
+                                        <p:cTn id="12" dur="1" fill="hold">
+                                          <p:stCondLst>
+                                            <p:cond delay="0"/>
+                                          </p:stCondLst>
+                                        </p:cTn>
+                                        <p:tgtEl>
+                                          <p:spTgt spid="5"/>
+                                        </p:tgtEl>
+                                        <p:attrNameLst>
+                                          <p:attrName>style.visibility</p:attrName>
+                                        </p:attrNameLst>
+                                      </p:cBhvr>
+                                      <p:to>
+                                        <p:strVal val="visible"/>
+                                      </p:to>
+                                    </p:set>
+                                    <p:animEffect transition="in" filter="randombar(horizontal)">
+                                      <p:cBhvr>
+                                        <p:cTn id="13" dur="500"/>
+                                        <p:tgtEl>
+                                          <p:spTgt spid="5"/>
+                                        </p:tgtEl>
+                                      </p:cBhvr>
+                                    </p:animEffect>
+                                  </p:childTnLst>
+                                </p:cTn>
+                              </p:par>
+                            </p:childTnLst>
+                          </p:cTn>
+                        </p:par>
+                      </p:childTnLst>
+                    </p:cTn>
+                  </p:par>
+                </p:childTnLst>
+              </p:cTn>
+              <p:prevCondLst>
+                <p:cond evt="onPrev" delay="0">
+                  <p:tgtEl>
+                    <p:sldTgt/>
+                  </p:tgtEl>
+                </p:cond>
+              </p:prevCondLst>
+              <p:nextCondLst>
+                <p:cond evt="onNext" delay="0">
+                  <p:tgtEl>
+                    <p:sldTgt/>
+                  </p:tgtEl>
+                </p:cond>
+              </p:nextCondLst>
+            </p:seq>
+          </p:childTnLst>
+        </p:cTn>
+      </p:par>
+    </p:tnLst>
+    <p:bldLst>
+      <p:bldP spid="10" grpId="0"/>
+    </p:bldLst>
+  </p:timing>
 </p:sld>
 </file>
 
@@ -5710,6 +7603,135 @@
   <p:clrMapOvr>
     <a:masterClrMapping/>
   </p:clrMapOvr>
+  <p:timing>
+    <p:tnLst>
+      <p:par>
+        <p:cTn id="1" dur="indefinite" restart="never" nodeType="tmRoot">
+          <p:childTnLst>
+            <p:seq concurrent="1" nextAc="seek">
+              <p:cTn id="2" dur="indefinite" nodeType="mainSeq">
+                <p:childTnLst>
+                  <p:par>
+                    <p:cTn id="3" fill="hold">
+                      <p:stCondLst>
+                        <p:cond delay="indefinite"/>
+                      </p:stCondLst>
+                      <p:childTnLst>
+                        <p:par>
+                          <p:cTn id="4" fill="hold">
+                            <p:stCondLst>
+                              <p:cond delay="0"/>
+                            </p:stCondLst>
+                            <p:childTnLst>
+                              <p:par>
+                                <p:cTn id="5" presetID="45" presetClass="entr" presetSubtype="0" fill="hold" nodeType="clickEffect">
+                                  <p:stCondLst>
+                                    <p:cond delay="0"/>
+                                  </p:stCondLst>
+                                  <p:childTnLst>
+                                    <p:set>
+                                      <p:cBhvr>
+                                        <p:cTn id="6" dur="1" fill="hold">
+                                          <p:stCondLst>
+                                            <p:cond delay="0"/>
+                                          </p:stCondLst>
+                                        </p:cTn>
+                                        <p:tgtEl>
+                                          <p:spTgt spid="6"/>
+                                        </p:tgtEl>
+                                        <p:attrNameLst>
+                                          <p:attrName>style.visibility</p:attrName>
+                                        </p:attrNameLst>
+                                      </p:cBhvr>
+                                      <p:to>
+                                        <p:strVal val="visible"/>
+                                      </p:to>
+                                    </p:set>
+                                    <p:animEffect transition="in" filter="fade">
+                                      <p:cBhvr>
+                                        <p:cTn id="7" dur="2000"/>
+                                        <p:tgtEl>
+                                          <p:spTgt spid="6"/>
+                                        </p:tgtEl>
+                                      </p:cBhvr>
+                                    </p:animEffect>
+                                    <p:anim calcmode="lin" valueType="num">
+                                      <p:cBhvr>
+                                        <p:cTn id="8" dur="2000" fill="hold"/>
+                                        <p:tgtEl>
+                                          <p:spTgt spid="6"/>
+                                        </p:tgtEl>
+                                        <p:attrNameLst>
+                                          <p:attrName>ppt_w</p:attrName>
+                                        </p:attrNameLst>
+                                      </p:cBhvr>
+                                      <p:tavLst>
+                                        <p:tav tm="0" fmla="#ppt_w*sin(2.5*pi*$)">
+                                          <p:val>
+                                            <p:fltVal val="0"/>
+                                          </p:val>
+                                        </p:tav>
+                                        <p:tav tm="100000">
+                                          <p:val>
+                                            <p:fltVal val="1"/>
+                                          </p:val>
+                                        </p:tav>
+                                      </p:tavLst>
+                                    </p:anim>
+                                    <p:anim calcmode="lin" valueType="num">
+                                      <p:cBhvr>
+                                        <p:cTn id="9" dur="2000" fill="hold"/>
+                                        <p:tgtEl>
+                                          <p:spTgt spid="6"/>
+                                        </p:tgtEl>
+                                        <p:attrNameLst>
+                                          <p:attrName>ppt_h</p:attrName>
+                                        </p:attrNameLst>
+                                      </p:cBhvr>
+                                      <p:tavLst>
+                                        <p:tav tm="0">
+                                          <p:val>
+                                            <p:strVal val="#ppt_h"/>
+                                          </p:val>
+                                        </p:tav>
+                                        <p:tav tm="100000">
+                                          <p:val>
+                                            <p:strVal val="#ppt_h"/>
+                                          </p:val>
+                                        </p:tav>
+                                      </p:tavLst>
+                                    </p:anim>
+                                  </p:childTnLst>
+                                </p:cTn>
+                              </p:par>
+                            </p:childTnLst>
+                          </p:cTn>
+                        </p:par>
+                      </p:childTnLst>
+                    </p:cTn>
+                  </p:par>
+                </p:childTnLst>
+              </p:cTn>
+              <p:prevCondLst>
+                <p:cond evt="onPrev" delay="0">
+                  <p:tgtEl>
+                    <p:sldTgt/>
+                  </p:tgtEl>
+                </p:cond>
+              </p:prevCondLst>
+              <p:nextCondLst>
+                <p:cond evt="onNext" delay="0">
+                  <p:tgtEl>
+                    <p:sldTgt/>
+                  </p:tgtEl>
+                </p:cond>
+              </p:nextCondLst>
+            </p:seq>
+          </p:childTnLst>
+        </p:cTn>
+      </p:par>
+    </p:tnLst>
+  </p:timing>
 </p:sld>
 </file>
 
@@ -5945,6 +7967,159 @@
   <p:transition spd="slow">
     <p:cover/>
   </p:transition>
+  <p:timing>
+    <p:tnLst>
+      <p:par>
+        <p:cTn id="1" dur="indefinite" restart="never" nodeType="tmRoot">
+          <p:childTnLst>
+            <p:seq concurrent="1" nextAc="seek">
+              <p:cTn id="2" dur="indefinite" nodeType="mainSeq">
+                <p:childTnLst>
+                  <p:par>
+                    <p:cTn id="3" fill="hold">
+                      <p:stCondLst>
+                        <p:cond delay="indefinite"/>
+                      </p:stCondLst>
+                      <p:childTnLst>
+                        <p:par>
+                          <p:cTn id="4" fill="hold">
+                            <p:stCondLst>
+                              <p:cond delay="0"/>
+                            </p:stCondLst>
+                            <p:childTnLst>
+                              <p:par>
+                                <p:cTn id="5" presetID="16" presetClass="entr" presetSubtype="21" fill="hold" nodeType="clickEffect">
+                                  <p:stCondLst>
+                                    <p:cond delay="0"/>
+                                  </p:stCondLst>
+                                  <p:childTnLst>
+                                    <p:set>
+                                      <p:cBhvr>
+                                        <p:cTn id="6" dur="1" fill="hold">
+                                          <p:stCondLst>
+                                            <p:cond delay="0"/>
+                                          </p:stCondLst>
+                                        </p:cTn>
+                                        <p:tgtEl>
+                                          <p:spTgt spid="7"/>
+                                        </p:tgtEl>
+                                        <p:attrNameLst>
+                                          <p:attrName>style.visibility</p:attrName>
+                                        </p:attrNameLst>
+                                      </p:cBhvr>
+                                      <p:to>
+                                        <p:strVal val="visible"/>
+                                      </p:to>
+                                    </p:set>
+                                    <p:animEffect transition="in" filter="barn(inVertical)">
+                                      <p:cBhvr>
+                                        <p:cTn id="7" dur="500"/>
+                                        <p:tgtEl>
+                                          <p:spTgt spid="7"/>
+                                        </p:tgtEl>
+                                      </p:cBhvr>
+                                    </p:animEffect>
+                                  </p:childTnLst>
+                                </p:cTn>
+                              </p:par>
+                              <p:par>
+                                <p:cTn id="8" presetID="16" presetClass="entr" presetSubtype="21" fill="hold" nodeType="withEffect">
+                                  <p:stCondLst>
+                                    <p:cond delay="0"/>
+                                  </p:stCondLst>
+                                  <p:childTnLst>
+                                    <p:set>
+                                      <p:cBhvr>
+                                        <p:cTn id="9" dur="1" fill="hold">
+                                          <p:stCondLst>
+                                            <p:cond delay="0"/>
+                                          </p:stCondLst>
+                                        </p:cTn>
+                                        <p:tgtEl>
+                                          <p:spTgt spid="9"/>
+                                        </p:tgtEl>
+                                        <p:attrNameLst>
+                                          <p:attrName>style.visibility</p:attrName>
+                                        </p:attrNameLst>
+                                      </p:cBhvr>
+                                      <p:to>
+                                        <p:strVal val="visible"/>
+                                      </p:to>
+                                    </p:set>
+                                    <p:animEffect transition="in" filter="barn(inVertical)">
+                                      <p:cBhvr>
+                                        <p:cTn id="10" dur="500"/>
+                                        <p:tgtEl>
+                                          <p:spTgt spid="9"/>
+                                        </p:tgtEl>
+                                      </p:cBhvr>
+                                    </p:animEffect>
+                                  </p:childTnLst>
+                                </p:cTn>
+                              </p:par>
+                              <p:par>
+                                <p:cTn id="11" presetID="16" presetClass="entr" presetSubtype="21" fill="hold" nodeType="withEffect">
+                                  <p:stCondLst>
+                                    <p:cond delay="0"/>
+                                  </p:stCondLst>
+                                  <p:childTnLst>
+                                    <p:set>
+                                      <p:cBhvr>
+                                        <p:cTn id="12" dur="1" fill="hold">
+                                          <p:stCondLst>
+                                            <p:cond delay="0"/>
+                                          </p:stCondLst>
+                                        </p:cTn>
+                                        <p:tgtEl>
+                                          <p:spTgt spid="11"/>
+                                        </p:tgtEl>
+                                        <p:attrNameLst>
+                                          <p:attrName>style.visibility</p:attrName>
+                                        </p:attrNameLst>
+                                      </p:cBhvr>
+                                      <p:to>
+                                        <p:strVal val="visible"/>
+                                      </p:to>
+                                    </p:set>
+                                    <p:animEffect transition="in" filter="barn(inVertical)">
+                                      <p:cBhvr>
+                                        <p:cTn id="13" dur="500"/>
+                                        <p:tgtEl>
+                                          <p:spTgt spid="11"/>
+                                        </p:tgtEl>
+                                      </p:cBhvr>
+                                    </p:animEffect>
+                                  </p:childTnLst>
+                                </p:cTn>
+                              </p:par>
+                            </p:childTnLst>
+                          </p:cTn>
+                        </p:par>
+                      </p:childTnLst>
+                    </p:cTn>
+                  </p:par>
+                </p:childTnLst>
+              </p:cTn>
+              <p:prevCondLst>
+                <p:cond evt="onPrev" delay="0">
+                  <p:tgtEl>
+                    <p:sldTgt/>
+                  </p:tgtEl>
+                </p:cond>
+              </p:prevCondLst>
+              <p:nextCondLst>
+                <p:cond evt="onNext" delay="0">
+                  <p:tgtEl>
+                    <p:sldTgt/>
+                  </p:tgtEl>
+                </p:cond>
+              </p:nextCondLst>
+            </p:seq>
+          </p:childTnLst>
+        </p:cTn>
+      </p:par>
+    </p:tnLst>
+  </p:timing>
 </p:sld>
 </file>
 
@@ -6933,7 +9108,7 @@
                             </p:stCondLst>
                             <p:childTnLst>
                               <p:par>
-                                <p:cTn id="9" presetID="42" presetClass="entr" presetSubtype="0" fill="hold" nodeType="clickEffect">
+                                <p:cTn id="9" presetID="14" presetClass="entr" presetSubtype="10" fill="hold" nodeType="clickEffect">
                                   <p:stCondLst>
                                     <p:cond delay="0"/>
                                   </p:stCondLst>
@@ -6956,60 +9131,92 @@
                                         <p:strVal val="visible"/>
                                       </p:to>
                                     </p:set>
-                                    <p:animEffect transition="in" filter="fade">
+                                    <p:animEffect transition="in" filter="randombar(horizontal)">
                                       <p:cBhvr>
-                                        <p:cTn id="11" dur="1000"/>
+                                        <p:cTn id="11" dur="500"/>
                                         <p:tgtEl>
                                           <p:spTgt spid="15"/>
                                         </p:tgtEl>
                                       </p:cBhvr>
                                     </p:animEffect>
-                                    <p:anim calcmode="lin" valueType="num">
+                                  </p:childTnLst>
+                                </p:cTn>
+                              </p:par>
+                              <p:par>
+                                <p:cTn id="12" presetID="14" presetClass="entr" presetSubtype="10" fill="hold" grpId="0" nodeType="withEffect">
+                                  <p:stCondLst>
+                                    <p:cond delay="0"/>
+                                  </p:stCondLst>
+                                  <p:childTnLst>
+                                    <p:set>
                                       <p:cBhvr>
-                                        <p:cTn id="12" dur="1000" fill="hold"/>
+                                        <p:cTn id="13" dur="1" fill="hold">
+                                          <p:stCondLst>
+                                            <p:cond delay="0"/>
+                                          </p:stCondLst>
+                                        </p:cTn>
                                         <p:tgtEl>
-                                          <p:spTgt spid="15"/>
+                                          <p:spTgt spid="3">
+                                            <p:txEl>
+                                              <p:pRg st="0" end="0"/>
+                                            </p:txEl>
+                                          </p:spTgt>
                                         </p:tgtEl>
                                         <p:attrNameLst>
-                                          <p:attrName>ppt_x</p:attrName>
+                                          <p:attrName>style.visibility</p:attrName>
                                         </p:attrNameLst>
                                       </p:cBhvr>
-                                      <p:tavLst>
-                                        <p:tav tm="0">
-                                          <p:val>
-                                            <p:strVal val="#ppt_x"/>
-                                          </p:val>
-                                        </p:tav>
-                                        <p:tav tm="100000">
-                                          <p:val>
-                                            <p:strVal val="#ppt_x"/>
-                                          </p:val>
-                                        </p:tav>
-                                      </p:tavLst>
-                                    </p:anim>
-                                    <p:anim calcmode="lin" valueType="num">
+                                      <p:to>
+                                        <p:strVal val="visible"/>
+                                      </p:to>
+                                    </p:set>
+                                    <p:animEffect transition="in" filter="randombar(horizontal)">
                                       <p:cBhvr>
-                                        <p:cTn id="13" dur="1000" fill="hold"/>
+                                        <p:cTn id="14" dur="500"/>
                                         <p:tgtEl>
-                                          <p:spTgt spid="15"/>
+                                          <p:spTgt spid="3">
+                                            <p:txEl>
+                                              <p:pRg st="0" end="0"/>
+                                            </p:txEl>
+                                          </p:spTgt>
+                                        </p:tgtEl>
+                                      </p:cBhvr>
+                                    </p:animEffect>
+                                  </p:childTnLst>
+                                </p:cTn>
+                              </p:par>
+                              <p:par>
+                                <p:cTn id="15" presetID="14" presetClass="entr" presetSubtype="10" fill="hold" grpId="0" nodeType="withEffect">
+                                  <p:stCondLst>
+                                    <p:cond delay="0"/>
+                                  </p:stCondLst>
+                                  <p:childTnLst>
+                                    <p:set>
+                                      <p:cBhvr>
+                                        <p:cTn id="16" dur="1" fill="hold">
+                                          <p:stCondLst>
+                                            <p:cond delay="0"/>
+                                          </p:stCondLst>
+                                        </p:cTn>
+                                        <p:tgtEl>
+                                          <p:spTgt spid="10"/>
                                         </p:tgtEl>
                                         <p:attrNameLst>
-                                          <p:attrName>ppt_y</p:attrName>
+                                          <p:attrName>style.visibility</p:attrName>
                                         </p:attrNameLst>
                                       </p:cBhvr>
-                                      <p:tavLst>
-                                        <p:tav tm="0">
-                                          <p:val>
-                                            <p:strVal val="#ppt_y+.1"/>
-                                          </p:val>
-                                        </p:tav>
-                                        <p:tav tm="100000">
-                                          <p:val>
-                                            <p:strVal val="#ppt_y"/>
-                                          </p:val>
-                                        </p:tav>
-                                      </p:tavLst>
-                                    </p:anim>
+                                      <p:to>
+                                        <p:strVal val="visible"/>
+                                      </p:to>
+                                    </p:set>
+                                    <p:animEffect transition="in" filter="randombar(horizontal)">
+                                      <p:cBhvr>
+                                        <p:cTn id="17" dur="500"/>
+                                        <p:tgtEl>
+                                          <p:spTgt spid="10"/>
+                                        </p:tgtEl>
+                                      </p:cBhvr>
+                                    </p:animEffect>
                                   </p:childTnLst>
                                 </p:cTn>
                               </p:par>
@@ -7040,6 +9247,10 @@
         </p:cTn>
       </p:par>
     </p:tnLst>
+    <p:bldLst>
+      <p:bldP spid="3" grpId="0" build="p"/>
+      <p:bldP spid="10" grpId="0"/>
+    </p:bldLst>
   </p:timing>
 </p:sld>
 </file>
@@ -7376,7 +9587,7 @@
                             </p:stCondLst>
                             <p:childTnLst>
                               <p:par>
-                                <p:cTn id="5" presetID="31" presetClass="entr" presetSubtype="0" fill="hold" nodeType="clickEffect">
+                                <p:cTn id="5" presetID="21" presetClass="entr" presetSubtype="1" fill="hold" nodeType="clickEffect">
                                   <p:stCondLst>
                                     <p:cond delay="0"/>
                                   </p:stCondLst>
@@ -7399,78 +9610,9 @@
                                         <p:strVal val="visible"/>
                                       </p:to>
                                     </p:set>
-                                    <p:anim calcmode="lin" valueType="num">
+                                    <p:animEffect transition="in" filter="wheel(1)">
                                       <p:cBhvr>
-                                        <p:cTn id="7" dur="1000" fill="hold"/>
-                                        <p:tgtEl>
-                                          <p:spTgt spid="8"/>
-                                        </p:tgtEl>
-                                        <p:attrNameLst>
-                                          <p:attrName>ppt_w</p:attrName>
-                                        </p:attrNameLst>
-                                      </p:cBhvr>
-                                      <p:tavLst>
-                                        <p:tav tm="0">
-                                          <p:val>
-                                            <p:fltVal val="0"/>
-                                          </p:val>
-                                        </p:tav>
-                                        <p:tav tm="100000">
-                                          <p:val>
-                                            <p:strVal val="#ppt_w"/>
-                                          </p:val>
-                                        </p:tav>
-                                      </p:tavLst>
-                                    </p:anim>
-                                    <p:anim calcmode="lin" valueType="num">
-                                      <p:cBhvr>
-                                        <p:cTn id="8" dur="1000" fill="hold"/>
-                                        <p:tgtEl>
-                                          <p:spTgt spid="8"/>
-                                        </p:tgtEl>
-                                        <p:attrNameLst>
-                                          <p:attrName>ppt_h</p:attrName>
-                                        </p:attrNameLst>
-                                      </p:cBhvr>
-                                      <p:tavLst>
-                                        <p:tav tm="0">
-                                          <p:val>
-                                            <p:fltVal val="0"/>
-                                          </p:val>
-                                        </p:tav>
-                                        <p:tav tm="100000">
-                                          <p:val>
-                                            <p:strVal val="#ppt_h"/>
-                                          </p:val>
-                                        </p:tav>
-                                      </p:tavLst>
-                                    </p:anim>
-                                    <p:anim calcmode="lin" valueType="num">
-                                      <p:cBhvr>
-                                        <p:cTn id="9" dur="1000" fill="hold"/>
-                                        <p:tgtEl>
-                                          <p:spTgt spid="8"/>
-                                        </p:tgtEl>
-                                        <p:attrNameLst>
-                                          <p:attrName>style.rotation</p:attrName>
-                                        </p:attrNameLst>
-                                      </p:cBhvr>
-                                      <p:tavLst>
-                                        <p:tav tm="0">
-                                          <p:val>
-                                            <p:fltVal val="90"/>
-                                          </p:val>
-                                        </p:tav>
-                                        <p:tav tm="100000">
-                                          <p:val>
-                                            <p:fltVal val="0"/>
-                                          </p:val>
-                                        </p:tav>
-                                      </p:tavLst>
-                                    </p:anim>
-                                    <p:animEffect transition="in" filter="fade">
-                                      <p:cBhvr>
-                                        <p:cTn id="10" dur="1000"/>
+                                        <p:cTn id="7" dur="2000"/>
                                         <p:tgtEl>
                                           <p:spTgt spid="8"/>
                                         </p:tgtEl>
@@ -7637,6 +9779,80 @@
   <p:transition spd="slow">
     <p:cover/>
   </p:transition>
+  <p:timing>
+    <p:tnLst>
+      <p:par>
+        <p:cTn id="1" dur="indefinite" restart="never" nodeType="tmRoot">
+          <p:childTnLst>
+            <p:seq concurrent="1" nextAc="seek">
+              <p:cTn id="2" dur="indefinite" nodeType="mainSeq">
+                <p:childTnLst>
+                  <p:par>
+                    <p:cTn id="3" fill="hold">
+                      <p:stCondLst>
+                        <p:cond delay="indefinite"/>
+                      </p:stCondLst>
+                      <p:childTnLst>
+                        <p:par>
+                          <p:cTn id="4" fill="hold">
+                            <p:stCondLst>
+                              <p:cond delay="0"/>
+                            </p:stCondLst>
+                            <p:childTnLst>
+                              <p:par>
+                                <p:cTn id="5" presetID="26" presetClass="emph" presetSubtype="0" fill="hold" nodeType="clickEffect">
+                                  <p:stCondLst>
+                                    <p:cond delay="0"/>
+                                  </p:stCondLst>
+                                  <p:childTnLst>
+                                    <p:animEffect transition="out" filter="fade">
+                                      <p:cBhvr>
+                                        <p:cTn id="6" dur="500" tmFilter="0, 0; .2, .5; .8, .5; 1, 0"/>
+                                        <p:tgtEl>
+                                          <p:spTgt spid="12290"/>
+                                        </p:tgtEl>
+                                      </p:cBhvr>
+                                    </p:animEffect>
+                                    <p:animScale>
+                                      <p:cBhvr>
+                                        <p:cTn id="7" dur="250" autoRev="1" fill="hold"/>
+                                        <p:tgtEl>
+                                          <p:spTgt spid="12290"/>
+                                        </p:tgtEl>
+                                      </p:cBhvr>
+                                      <p:by x="105000" y="105000"/>
+                                    </p:animScale>
+                                  </p:childTnLst>
+                                </p:cTn>
+                              </p:par>
+                            </p:childTnLst>
+                          </p:cTn>
+                        </p:par>
+                      </p:childTnLst>
+                    </p:cTn>
+                  </p:par>
+                </p:childTnLst>
+              </p:cTn>
+              <p:prevCondLst>
+                <p:cond evt="onPrev" delay="0">
+                  <p:tgtEl>
+                    <p:sldTgt/>
+                  </p:tgtEl>
+                </p:cond>
+              </p:prevCondLst>
+              <p:nextCondLst>
+                <p:cond evt="onNext" delay="0">
+                  <p:tgtEl>
+                    <p:sldTgt/>
+                  </p:tgtEl>
+                </p:cond>
+              </p:nextCondLst>
+            </p:seq>
+          </p:childTnLst>
+        </p:cTn>
+      </p:par>
+    </p:tnLst>
+  </p:timing>
 </p:sld>
 </file>
 
@@ -7929,6 +10145,335 @@
   <p:clrMapOvr>
     <a:masterClrMapping/>
   </p:clrMapOvr>
+  <p:timing>
+    <p:tnLst>
+      <p:par>
+        <p:cTn id="1" dur="indefinite" restart="never" nodeType="tmRoot">
+          <p:childTnLst>
+            <p:seq concurrent="1" nextAc="seek">
+              <p:cTn id="2" dur="indefinite" nodeType="mainSeq">
+                <p:childTnLst>
+                  <p:par>
+                    <p:cTn id="3" fill="hold">
+                      <p:stCondLst>
+                        <p:cond delay="indefinite"/>
+                      </p:stCondLst>
+                      <p:childTnLst>
+                        <p:par>
+                          <p:cTn id="4" fill="hold">
+                            <p:stCondLst>
+                              <p:cond delay="0"/>
+                            </p:stCondLst>
+                            <p:childTnLst>
+                              <p:par>
+                                <p:cTn id="5" presetID="26" presetClass="entr" presetSubtype="0" fill="hold" grpId="0" nodeType="clickEffect">
+                                  <p:stCondLst>
+                                    <p:cond delay="0"/>
+                                  </p:stCondLst>
+                                  <p:childTnLst>
+                                    <p:set>
+                                      <p:cBhvr>
+                                        <p:cTn id="6" dur="1" fill="hold">
+                                          <p:stCondLst>
+                                            <p:cond delay="0"/>
+                                          </p:stCondLst>
+                                        </p:cTn>
+                                        <p:tgtEl>
+                                          <p:spTgt spid="5"/>
+                                        </p:tgtEl>
+                                        <p:attrNameLst>
+                                          <p:attrName>style.visibility</p:attrName>
+                                        </p:attrNameLst>
+                                      </p:cBhvr>
+                                      <p:to>
+                                        <p:strVal val="visible"/>
+                                      </p:to>
+                                    </p:set>
+                                    <p:animEffect transition="in" filter="wipe(down)">
+                                      <p:cBhvr>
+                                        <p:cTn id="7" dur="580">
+                                          <p:stCondLst>
+                                            <p:cond delay="0"/>
+                                          </p:stCondLst>
+                                        </p:cTn>
+                                        <p:tgtEl>
+                                          <p:spTgt spid="5"/>
+                                        </p:tgtEl>
+                                      </p:cBhvr>
+                                    </p:animEffect>
+                                    <p:anim calcmode="lin" valueType="num">
+                                      <p:cBhvr>
+                                        <p:cTn id="8" dur="1822" tmFilter="0,0; 0.14,0.36; 0.43,0.73; 0.71,0.91; 1.0,1.0">
+                                          <p:stCondLst>
+                                            <p:cond delay="0"/>
+                                          </p:stCondLst>
+                                        </p:cTn>
+                                        <p:tgtEl>
+                                          <p:spTgt spid="5"/>
+                                        </p:tgtEl>
+                                        <p:attrNameLst>
+                                          <p:attrName>ppt_x</p:attrName>
+                                        </p:attrNameLst>
+                                      </p:cBhvr>
+                                      <p:tavLst>
+                                        <p:tav tm="0">
+                                          <p:val>
+                                            <p:strVal val="#ppt_x-0.25"/>
+                                          </p:val>
+                                        </p:tav>
+                                        <p:tav tm="100000">
+                                          <p:val>
+                                            <p:strVal val="#ppt_x"/>
+                                          </p:val>
+                                        </p:tav>
+                                      </p:tavLst>
+                                    </p:anim>
+                                    <p:anim calcmode="lin" valueType="num">
+                                      <p:cBhvr>
+                                        <p:cTn id="9" dur="664" tmFilter="0.0,0.0; 0.25,0.07; 0.50,0.2; 0.75,0.467; 1.0,1.0">
+                                          <p:stCondLst>
+                                            <p:cond delay="0"/>
+                                          </p:stCondLst>
+                                        </p:cTn>
+                                        <p:tgtEl>
+                                          <p:spTgt spid="5"/>
+                                        </p:tgtEl>
+                                        <p:attrNameLst>
+                                          <p:attrName>ppt_y</p:attrName>
+                                        </p:attrNameLst>
+                                      </p:cBhvr>
+                                      <p:tavLst>
+                                        <p:tav tm="0" fmla="#ppt_y-sin(pi*$)/3">
+                                          <p:val>
+                                            <p:fltVal val="0.5"/>
+                                          </p:val>
+                                        </p:tav>
+                                        <p:tav tm="100000">
+                                          <p:val>
+                                            <p:fltVal val="1"/>
+                                          </p:val>
+                                        </p:tav>
+                                      </p:tavLst>
+                                    </p:anim>
+                                    <p:anim calcmode="lin" valueType="num">
+                                      <p:cBhvr>
+                                        <p:cTn id="10" dur="664" tmFilter="0, 0; 0.125,0.2665; 0.25,0.4; 0.375,0.465; 0.5,0.5;  0.625,0.535; 0.75,0.6; 0.875,0.7335; 1,1">
+                                          <p:stCondLst>
+                                            <p:cond delay="664"/>
+                                          </p:stCondLst>
+                                        </p:cTn>
+                                        <p:tgtEl>
+                                          <p:spTgt spid="5"/>
+                                        </p:tgtEl>
+                                        <p:attrNameLst>
+                                          <p:attrName>ppt_y</p:attrName>
+                                        </p:attrNameLst>
+                                      </p:cBhvr>
+                                      <p:tavLst>
+                                        <p:tav tm="0" fmla="#ppt_y-sin(pi*$)/9">
+                                          <p:val>
+                                            <p:fltVal val="0"/>
+                                          </p:val>
+                                        </p:tav>
+                                        <p:tav tm="100000">
+                                          <p:val>
+                                            <p:fltVal val="1"/>
+                                          </p:val>
+                                        </p:tav>
+                                      </p:tavLst>
+                                    </p:anim>
+                                    <p:anim calcmode="lin" valueType="num">
+                                      <p:cBhvr>
+                                        <p:cTn id="11" dur="332" tmFilter="0, 0; 0.125,0.2665; 0.25,0.4; 0.375,0.465; 0.5,0.5;  0.625,0.535; 0.75,0.6; 0.875,0.7335; 1,1">
+                                          <p:stCondLst>
+                                            <p:cond delay="1324"/>
+                                          </p:stCondLst>
+                                        </p:cTn>
+                                        <p:tgtEl>
+                                          <p:spTgt spid="5"/>
+                                        </p:tgtEl>
+                                        <p:attrNameLst>
+                                          <p:attrName>ppt_y</p:attrName>
+                                        </p:attrNameLst>
+                                      </p:cBhvr>
+                                      <p:tavLst>
+                                        <p:tav tm="0" fmla="#ppt_y-sin(pi*$)/27">
+                                          <p:val>
+                                            <p:fltVal val="0"/>
+                                          </p:val>
+                                        </p:tav>
+                                        <p:tav tm="100000">
+                                          <p:val>
+                                            <p:fltVal val="1"/>
+                                          </p:val>
+                                        </p:tav>
+                                      </p:tavLst>
+                                    </p:anim>
+                                    <p:anim calcmode="lin" valueType="num">
+                                      <p:cBhvr>
+                                        <p:cTn id="12" dur="164" tmFilter="0, 0; 0.125,0.2665; 0.25,0.4; 0.375,0.465; 0.5,0.5;  0.625,0.535; 0.75,0.6; 0.875,0.7335; 1,1">
+                                          <p:stCondLst>
+                                            <p:cond delay="1656"/>
+                                          </p:stCondLst>
+                                        </p:cTn>
+                                        <p:tgtEl>
+                                          <p:spTgt spid="5"/>
+                                        </p:tgtEl>
+                                        <p:attrNameLst>
+                                          <p:attrName>ppt_y</p:attrName>
+                                        </p:attrNameLst>
+                                      </p:cBhvr>
+                                      <p:tavLst>
+                                        <p:tav tm="0" fmla="#ppt_y-sin(pi*$)/81">
+                                          <p:val>
+                                            <p:fltVal val="0"/>
+                                          </p:val>
+                                        </p:tav>
+                                        <p:tav tm="100000">
+                                          <p:val>
+                                            <p:fltVal val="1"/>
+                                          </p:val>
+                                        </p:tav>
+                                      </p:tavLst>
+                                    </p:anim>
+                                    <p:animScale>
+                                      <p:cBhvr>
+                                        <p:cTn id="13" dur="26">
+                                          <p:stCondLst>
+                                            <p:cond delay="650"/>
+                                          </p:stCondLst>
+                                        </p:cTn>
+                                        <p:tgtEl>
+                                          <p:spTgt spid="5"/>
+                                        </p:tgtEl>
+                                      </p:cBhvr>
+                                      <p:to x="100000" y="60000"/>
+                                    </p:animScale>
+                                    <p:animScale>
+                                      <p:cBhvr>
+                                        <p:cTn id="14" dur="166" decel="50000">
+                                          <p:stCondLst>
+                                            <p:cond delay="676"/>
+                                          </p:stCondLst>
+                                        </p:cTn>
+                                        <p:tgtEl>
+                                          <p:spTgt spid="5"/>
+                                        </p:tgtEl>
+                                      </p:cBhvr>
+                                      <p:to x="100000" y="100000"/>
+                                    </p:animScale>
+                                    <p:animScale>
+                                      <p:cBhvr>
+                                        <p:cTn id="15" dur="26">
+                                          <p:stCondLst>
+                                            <p:cond delay="1312"/>
+                                          </p:stCondLst>
+                                        </p:cTn>
+                                        <p:tgtEl>
+                                          <p:spTgt spid="5"/>
+                                        </p:tgtEl>
+                                      </p:cBhvr>
+                                      <p:to x="100000" y="80000"/>
+                                    </p:animScale>
+                                    <p:animScale>
+                                      <p:cBhvr>
+                                        <p:cTn id="16" dur="166" decel="50000">
+                                          <p:stCondLst>
+                                            <p:cond delay="1338"/>
+                                          </p:stCondLst>
+                                        </p:cTn>
+                                        <p:tgtEl>
+                                          <p:spTgt spid="5"/>
+                                        </p:tgtEl>
+                                      </p:cBhvr>
+                                      <p:to x="100000" y="100000"/>
+                                    </p:animScale>
+                                    <p:animScale>
+                                      <p:cBhvr>
+                                        <p:cTn id="17" dur="26">
+                                          <p:stCondLst>
+                                            <p:cond delay="1642"/>
+                                          </p:stCondLst>
+                                        </p:cTn>
+                                        <p:tgtEl>
+                                          <p:spTgt spid="5"/>
+                                        </p:tgtEl>
+                                      </p:cBhvr>
+                                      <p:to x="100000" y="90000"/>
+                                    </p:animScale>
+                                    <p:animScale>
+                                      <p:cBhvr>
+                                        <p:cTn id="18" dur="166" decel="50000">
+                                          <p:stCondLst>
+                                            <p:cond delay="1668"/>
+                                          </p:stCondLst>
+                                        </p:cTn>
+                                        <p:tgtEl>
+                                          <p:spTgt spid="5"/>
+                                        </p:tgtEl>
+                                      </p:cBhvr>
+                                      <p:to x="100000" y="100000"/>
+                                    </p:animScale>
+                                    <p:animScale>
+                                      <p:cBhvr>
+                                        <p:cTn id="19" dur="26">
+                                          <p:stCondLst>
+                                            <p:cond delay="1808"/>
+                                          </p:stCondLst>
+                                        </p:cTn>
+                                        <p:tgtEl>
+                                          <p:spTgt spid="5"/>
+                                        </p:tgtEl>
+                                      </p:cBhvr>
+                                      <p:to x="100000" y="95000"/>
+                                    </p:animScale>
+                                    <p:animScale>
+                                      <p:cBhvr>
+                                        <p:cTn id="20" dur="166" decel="50000">
+                                          <p:stCondLst>
+                                            <p:cond delay="1834"/>
+                                          </p:stCondLst>
+                                        </p:cTn>
+                                        <p:tgtEl>
+                                          <p:spTgt spid="5"/>
+                                        </p:tgtEl>
+                                      </p:cBhvr>
+                                      <p:to x="100000" y="100000"/>
+                                    </p:animScale>
+                                  </p:childTnLst>
+                                </p:cTn>
+                              </p:par>
+                            </p:childTnLst>
+                          </p:cTn>
+                        </p:par>
+                      </p:childTnLst>
+                    </p:cTn>
+                  </p:par>
+                </p:childTnLst>
+              </p:cTn>
+              <p:prevCondLst>
+                <p:cond evt="onPrev" delay="0">
+                  <p:tgtEl>
+                    <p:sldTgt/>
+                  </p:tgtEl>
+                </p:cond>
+              </p:prevCondLst>
+              <p:nextCondLst>
+                <p:cond evt="onNext" delay="0">
+                  <p:tgtEl>
+                    <p:sldTgt/>
+                  </p:tgtEl>
+                </p:cond>
+              </p:nextCondLst>
+            </p:seq>
+          </p:childTnLst>
+        </p:cTn>
+      </p:par>
+    </p:tnLst>
+    <p:bldLst>
+      <p:bldP spid="5" grpId="0"/>
+    </p:bldLst>
+  </p:timing>
 </p:sld>
 </file>
 
@@ -8384,6 +10929,161 @@
   <p:clrMapOvr>
     <a:masterClrMapping/>
   </p:clrMapOvr>
+  <p:timing>
+    <p:tnLst>
+      <p:par>
+        <p:cTn id="1" dur="indefinite" restart="never" nodeType="tmRoot">
+          <p:childTnLst>
+            <p:seq concurrent="1" nextAc="seek">
+              <p:cTn id="2" dur="indefinite" nodeType="mainSeq">
+                <p:childTnLst>
+                  <p:par>
+                    <p:cTn id="3" fill="hold">
+                      <p:stCondLst>
+                        <p:cond delay="indefinite"/>
+                      </p:stCondLst>
+                      <p:childTnLst>
+                        <p:par>
+                          <p:cTn id="4" fill="hold">
+                            <p:stCondLst>
+                              <p:cond delay="0"/>
+                            </p:stCondLst>
+                            <p:childTnLst>
+                              <p:par>
+                                <p:cTn id="5" presetID="31" presetClass="entr" presetSubtype="0" fill="hold" grpId="0" nodeType="clickEffect">
+                                  <p:stCondLst>
+                                    <p:cond delay="0"/>
+                                  </p:stCondLst>
+                                  <p:childTnLst>
+                                    <p:set>
+                                      <p:cBhvr>
+                                        <p:cTn id="6" dur="1" fill="hold">
+                                          <p:stCondLst>
+                                            <p:cond delay="0"/>
+                                          </p:stCondLst>
+                                        </p:cTn>
+                                        <p:tgtEl>
+                                          <p:spTgt spid="5"/>
+                                        </p:tgtEl>
+                                        <p:attrNameLst>
+                                          <p:attrName>style.visibility</p:attrName>
+                                        </p:attrNameLst>
+                                      </p:cBhvr>
+                                      <p:to>
+                                        <p:strVal val="visible"/>
+                                      </p:to>
+                                    </p:set>
+                                    <p:anim calcmode="lin" valueType="num">
+                                      <p:cBhvr>
+                                        <p:cTn id="7" dur="1000" fill="hold"/>
+                                        <p:tgtEl>
+                                          <p:spTgt spid="5"/>
+                                        </p:tgtEl>
+                                        <p:attrNameLst>
+                                          <p:attrName>ppt_w</p:attrName>
+                                        </p:attrNameLst>
+                                      </p:cBhvr>
+                                      <p:tavLst>
+                                        <p:tav tm="0">
+                                          <p:val>
+                                            <p:fltVal val="0"/>
+                                          </p:val>
+                                        </p:tav>
+                                        <p:tav tm="100000">
+                                          <p:val>
+                                            <p:strVal val="#ppt_w"/>
+                                          </p:val>
+                                        </p:tav>
+                                      </p:tavLst>
+                                    </p:anim>
+                                    <p:anim calcmode="lin" valueType="num">
+                                      <p:cBhvr>
+                                        <p:cTn id="8" dur="1000" fill="hold"/>
+                                        <p:tgtEl>
+                                          <p:spTgt spid="5"/>
+                                        </p:tgtEl>
+                                        <p:attrNameLst>
+                                          <p:attrName>ppt_h</p:attrName>
+                                        </p:attrNameLst>
+                                      </p:cBhvr>
+                                      <p:tavLst>
+                                        <p:tav tm="0">
+                                          <p:val>
+                                            <p:fltVal val="0"/>
+                                          </p:val>
+                                        </p:tav>
+                                        <p:tav tm="100000">
+                                          <p:val>
+                                            <p:strVal val="#ppt_h"/>
+                                          </p:val>
+                                        </p:tav>
+                                      </p:tavLst>
+                                    </p:anim>
+                                    <p:anim calcmode="lin" valueType="num">
+                                      <p:cBhvr>
+                                        <p:cTn id="9" dur="1000" fill="hold"/>
+                                        <p:tgtEl>
+                                          <p:spTgt spid="5"/>
+                                        </p:tgtEl>
+                                        <p:attrNameLst>
+                                          <p:attrName>style.rotation</p:attrName>
+                                        </p:attrNameLst>
+                                      </p:cBhvr>
+                                      <p:tavLst>
+                                        <p:tav tm="0">
+                                          <p:val>
+                                            <p:fltVal val="90"/>
+                                          </p:val>
+                                        </p:tav>
+                                        <p:tav tm="100000">
+                                          <p:val>
+                                            <p:fltVal val="0"/>
+                                          </p:val>
+                                        </p:tav>
+                                      </p:tavLst>
+                                    </p:anim>
+                                    <p:animEffect transition="in" filter="fade">
+                                      <p:cBhvr>
+                                        <p:cTn id="10" dur="1000"/>
+                                        <p:tgtEl>
+                                          <p:spTgt spid="5"/>
+                                        </p:tgtEl>
+                                      </p:cBhvr>
+                                    </p:animEffect>
+                                  </p:childTnLst>
+                                </p:cTn>
+                              </p:par>
+                            </p:childTnLst>
+                          </p:cTn>
+                        </p:par>
+                      </p:childTnLst>
+                    </p:cTn>
+                  </p:par>
+                </p:childTnLst>
+              </p:cTn>
+              <p:prevCondLst>
+                <p:cond evt="onPrev" delay="0">
+                  <p:tgtEl>
+                    <p:sldTgt/>
+                  </p:tgtEl>
+                </p:cond>
+              </p:prevCondLst>
+              <p:nextCondLst>
+                <p:cond evt="onNext" delay="0">
+                  <p:tgtEl>
+                    <p:sldTgt/>
+                  </p:tgtEl>
+                </p:cond>
+              </p:nextCondLst>
+            </p:seq>
+          </p:childTnLst>
+        </p:cTn>
+      </p:par>
+    </p:tnLst>
+    <p:bldLst>
+      <p:bldP spid="5" grpId="0"/>
+    </p:bldLst>
+  </p:timing>
 </p:sld>
 </file>
 
@@ -9138,6 +11838,138 @@
   <p:clrMapOvr>
     <a:masterClrMapping/>
   </p:clrMapOvr>
+  <p:timing>
+    <p:tnLst>
+      <p:par>
+        <p:cTn id="1" dur="indefinite" restart="never" nodeType="tmRoot">
+          <p:childTnLst>
+            <p:seq concurrent="1" nextAc="seek">
+              <p:cTn id="2" dur="indefinite" nodeType="mainSeq">
+                <p:childTnLst>
+                  <p:par>
+                    <p:cTn id="3" fill="hold">
+                      <p:stCondLst>
+                        <p:cond delay="indefinite"/>
+                      </p:stCondLst>
+                      <p:childTnLst>
+                        <p:par>
+                          <p:cTn id="4" fill="hold">
+                            <p:stCondLst>
+                              <p:cond delay="0"/>
+                            </p:stCondLst>
+                            <p:childTnLst>
+                              <p:par>
+                                <p:cTn id="5" presetID="42" presetClass="entr" presetSubtype="0" fill="hold" grpId="0" nodeType="clickEffect">
+                                  <p:stCondLst>
+                                    <p:cond delay="0"/>
+                                  </p:stCondLst>
+                                  <p:childTnLst>
+                                    <p:set>
+                                      <p:cBhvr>
+                                        <p:cTn id="6" dur="1" fill="hold">
+                                          <p:stCondLst>
+                                            <p:cond delay="0"/>
+                                          </p:stCondLst>
+                                        </p:cTn>
+                                        <p:tgtEl>
+                                          <p:spTgt spid="9"/>
+                                        </p:tgtEl>
+                                        <p:attrNameLst>
+                                          <p:attrName>style.visibility</p:attrName>
+                                        </p:attrNameLst>
+                                      </p:cBhvr>
+                                      <p:to>
+                                        <p:strVal val="visible"/>
+                                      </p:to>
+                                    </p:set>
+                                    <p:animEffect transition="in" filter="fade">
+                                      <p:cBhvr>
+                                        <p:cTn id="7" dur="1000"/>
+                                        <p:tgtEl>
+                                          <p:spTgt spid="9"/>
+                                        </p:tgtEl>
+                                      </p:cBhvr>
+                                    </p:animEffect>
+                                    <p:anim calcmode="lin" valueType="num">
+                                      <p:cBhvr>
+                                        <p:cTn id="8" dur="1000" fill="hold"/>
+                                        <p:tgtEl>
+                                          <p:spTgt spid="9"/>
+                                        </p:tgtEl>
+                                        <p:attrNameLst>
+                                          <p:attrName>ppt_x</p:attrName>
+                                        </p:attrNameLst>
+                                      </p:cBhvr>
+                                      <p:tavLst>
+                                        <p:tav tm="0">
+                                          <p:val>
+                                            <p:strVal val="#ppt_x"/>
+                                          </p:val>
+                                        </p:tav>
+                                        <p:tav tm="100000">
+                                          <p:val>
+                                            <p:strVal val="#ppt_x"/>
+                                          </p:val>
+                                        </p:tav>
+                                      </p:tavLst>
+                                    </p:anim>
+                                    <p:anim calcmode="lin" valueType="num">
+                                      <p:cBhvr>
+                                        <p:cTn id="9" dur="1000" fill="hold"/>
+                                        <p:tgtEl>
+                                          <p:spTgt spid="9"/>
+                                        </p:tgtEl>
+                                        <p:attrNameLst>
+                                          <p:attrName>ppt_y</p:attrName>
+                                        </p:attrNameLst>
+                                      </p:cBhvr>
+                                      <p:tavLst>
+                                        <p:tav tm="0">
+                                          <p:val>
+                                            <p:strVal val="#ppt_y+.1"/>
+                                          </p:val>
+                                        </p:tav>
+                                        <p:tav tm="100000">
+                                          <p:val>
+                                            <p:strVal val="#ppt_y"/>
+                                          </p:val>
+                                        </p:tav>
+                                      </p:tavLst>
+                                    </p:anim>
+                                  </p:childTnLst>
+                                </p:cTn>
+                              </p:par>
+                            </p:childTnLst>
+                          </p:cTn>
+                        </p:par>
+                      </p:childTnLst>
+                    </p:cTn>
+                  </p:par>
+                </p:childTnLst>
+              </p:cTn>
+              <p:prevCondLst>
+                <p:cond evt="onPrev" delay="0">
+                  <p:tgtEl>
+                    <p:sldTgt/>
+                  </p:tgtEl>
+                </p:cond>
+              </p:prevCondLst>
+              <p:nextCondLst>
+                <p:cond evt="onNext" delay="0">
+                  <p:tgtEl>
+                    <p:sldTgt/>
+                  </p:tgtEl>
+                </p:cond>
+              </p:nextCondLst>
+            </p:seq>
+          </p:childTnLst>
+        </p:cTn>
+      </p:par>
+    </p:tnLst>
+    <p:bldLst>
+      <p:bldP spid="9" grpId="0"/>
+    </p:bldLst>
+  </p:timing>
 </p:sld>
 </file>
 
@@ -9234,6 +12066,158 @@
   <p:transition spd="slow">
     <p:cover/>
   </p:transition>
+  <p:timing>
+    <p:tnLst>
+      <p:par>
+        <p:cTn id="1" dur="indefinite" restart="never" nodeType="tmRoot">
+          <p:childTnLst>
+            <p:seq concurrent="1" nextAc="seek">
+              <p:cTn id="2" dur="indefinite" nodeType="mainSeq">
+                <p:childTnLst>
+                  <p:par>
+                    <p:cTn id="3" fill="hold">
+                      <p:stCondLst>
+                        <p:cond delay="indefinite"/>
+                      </p:stCondLst>
+                      <p:childTnLst>
+                        <p:par>
+                          <p:cTn id="4" fill="hold">
+                            <p:stCondLst>
+                              <p:cond delay="0"/>
+                            </p:stCondLst>
+                            <p:childTnLst>
+                              <p:par>
+                                <p:cTn id="5" presetID="31" presetClass="entr" presetSubtype="0" fill="hold" nodeType="clickEffect">
+                                  <p:stCondLst>
+                                    <p:cond delay="0"/>
+                                  </p:stCondLst>
+                                  <p:childTnLst>
+                                    <p:set>
+                                      <p:cBhvr>
+                                        <p:cTn id="6" dur="1" fill="hold">
+                                          <p:stCondLst>
+                                            <p:cond delay="0"/>
+                                          </p:stCondLst>
+                                        </p:cTn>
+                                        <p:tgtEl>
+                                          <p:spTgt spid="5"/>
+                                        </p:tgtEl>
+                                        <p:attrNameLst>
+                                          <p:attrName>style.visibility</p:attrName>
+                                        </p:attrNameLst>
+                                      </p:cBhvr>
+                                      <p:to>
+                                        <p:strVal val="visible"/>
+                                      </p:to>
+                                    </p:set>
+                                    <p:anim calcmode="lin" valueType="num">
+                                      <p:cBhvr>
+                                        <p:cTn id="7" dur="1000" fill="hold"/>
+                                        <p:tgtEl>
+                                          <p:spTgt spid="5"/>
+                                        </p:tgtEl>
+                                        <p:attrNameLst>
+                                          <p:attrName>ppt_w</p:attrName>
+                                        </p:attrNameLst>
+                                      </p:cBhvr>
+                                      <p:tavLst>
+                                        <p:tav tm="0">
+                                          <p:val>
+                                            <p:fltVal val="0"/>
+                                          </p:val>
+                                        </p:tav>
+                                        <p:tav tm="100000">
+                                          <p:val>
+                                            <p:strVal val="#ppt_w"/>
+                                          </p:val>
+                                        </p:tav>
+                                      </p:tavLst>
+                                    </p:anim>
+                                    <p:anim calcmode="lin" valueType="num">
+                                      <p:cBhvr>
+                                        <p:cTn id="8" dur="1000" fill="hold"/>
+                                        <p:tgtEl>
+                                          <p:spTgt spid="5"/>
+                                        </p:tgtEl>
+                                        <p:attrNameLst>
+                                          <p:attrName>ppt_h</p:attrName>
+                                        </p:attrNameLst>
+                                      </p:cBhvr>
+                                      <p:tavLst>
+                                        <p:tav tm="0">
+                                          <p:val>
+                                            <p:fltVal val="0"/>
+                                          </p:val>
+                                        </p:tav>
+                                        <p:tav tm="100000">
+                                          <p:val>
+                                            <p:strVal val="#ppt_h"/>
+                                          </p:val>
+                                        </p:tav>
+                                      </p:tavLst>
+                                    </p:anim>
+                                    <p:anim calcmode="lin" valueType="num">
+                                      <p:cBhvr>
+                                        <p:cTn id="9" dur="1000" fill="hold"/>
+                                        <p:tgtEl>
+                                          <p:spTgt spid="5"/>
+                                        </p:tgtEl>
+                                        <p:attrNameLst>
+                                          <p:attrName>style.rotation</p:attrName>
+                                        </p:attrNameLst>
+                                      </p:cBhvr>
+                                      <p:tavLst>
+                                        <p:tav tm="0">
+                                          <p:val>
+                                            <p:fltVal val="90"/>
+                                          </p:val>
+                                        </p:tav>
+                                        <p:tav tm="100000">
+                                          <p:val>
+                                            <p:fltVal val="0"/>
+                                          </p:val>
+                                        </p:tav>
+                                      </p:tavLst>
+                                    </p:anim>
+                                    <p:animEffect transition="in" filter="fade">
+                                      <p:cBhvr>
+                                        <p:cTn id="10" dur="1000"/>
+                                        <p:tgtEl>
+                                          <p:spTgt spid="5"/>
+                                        </p:tgtEl>
+                                      </p:cBhvr>
+                                    </p:animEffect>
+                                  </p:childTnLst>
+                                </p:cTn>
+                              </p:par>
+                            </p:childTnLst>
+                          </p:cTn>
+                        </p:par>
+                      </p:childTnLst>
+                    </p:cTn>
+                  </p:par>
+                </p:childTnLst>
+              </p:cTn>
+              <p:prevCondLst>
+                <p:cond evt="onPrev" delay="0">
+                  <p:tgtEl>
+                    <p:sldTgt/>
+                  </p:tgtEl>
+                </p:cond>
+              </p:prevCondLst>
+              <p:nextCondLst>
+                <p:cond evt="onNext" delay="0">
+                  <p:tgtEl>
+                    <p:sldTgt/>
+                  </p:tgtEl>
+                </p:cond>
+              </p:nextCondLst>
+            </p:seq>
+          </p:childTnLst>
+        </p:cTn>
+      </p:par>
+    </p:tnLst>
+  </p:timing>
 </p:sld>
 </file>
 
@@ -9421,6 +12405,161 @@
   <p:clrMapOvr>
     <a:masterClrMapping/>
   </p:clrMapOvr>
+  <p:timing>
+    <p:tnLst>
+      <p:par>
+        <p:cTn id="1" dur="indefinite" restart="never" nodeType="tmRoot">
+          <p:childTnLst>
+            <p:seq concurrent="1" nextAc="seek">
+              <p:cTn id="2" dur="indefinite" nodeType="mainSeq">
+                <p:childTnLst>
+                  <p:par>
+                    <p:cTn id="3" fill="hold">
+                      <p:stCondLst>
+                        <p:cond delay="indefinite"/>
+                      </p:stCondLst>
+                      <p:childTnLst>
+                        <p:par>
+                          <p:cTn id="4" fill="hold">
+                            <p:stCondLst>
+                              <p:cond delay="0"/>
+                            </p:stCondLst>
+                            <p:childTnLst>
+                              <p:par>
+                                <p:cTn id="5" presetID="22" presetClass="entr" presetSubtype="4" fill="hold" grpId="0" nodeType="clickEffect">
+                                  <p:stCondLst>
+                                    <p:cond delay="0"/>
+                                  </p:stCondLst>
+                                  <p:childTnLst>
+                                    <p:set>
+                                      <p:cBhvr>
+                                        <p:cTn id="6" dur="1" fill="hold">
+                                          <p:stCondLst>
+                                            <p:cond delay="0"/>
+                                          </p:stCondLst>
+                                        </p:cTn>
+                                        <p:tgtEl>
+                                          <p:spTgt spid="3">
+                                            <p:txEl>
+                                              <p:pRg st="0" end="0"/>
+                                            </p:txEl>
+                                          </p:spTgt>
+                                        </p:tgtEl>
+                                        <p:attrNameLst>
+                                          <p:attrName>style.visibility</p:attrName>
+                                        </p:attrNameLst>
+                                      </p:cBhvr>
+                                      <p:to>
+                                        <p:strVal val="visible"/>
+                                      </p:to>
+                                    </p:set>
+                                    <p:animEffect transition="in" filter="wipe(down)">
+                                      <p:cBhvr>
+                                        <p:cTn id="7" dur="500"/>
+                                        <p:tgtEl>
+                                          <p:spTgt spid="3">
+                                            <p:txEl>
+                                              <p:pRg st="0" end="0"/>
+                                            </p:txEl>
+                                          </p:spTgt>
+                                        </p:tgtEl>
+                                      </p:cBhvr>
+                                    </p:animEffect>
+                                  </p:childTnLst>
+                                </p:cTn>
+                              </p:par>
+                            </p:childTnLst>
+                          </p:cTn>
+                        </p:par>
+                      </p:childTnLst>
+                    </p:cTn>
+                  </p:par>
+                  <p:par>
+                    <p:cTn id="8" fill="hold">
+                      <p:stCondLst>
+                        <p:cond delay="indefinite"/>
+                      </p:stCondLst>
+                      <p:childTnLst>
+                        <p:par>
+                          <p:cTn id="9" fill="hold">
+                            <p:stCondLst>
+                              <p:cond delay="0"/>
+                            </p:stCondLst>
+                            <p:childTnLst>
+                              <p:par>
+                                <p:cTn id="10" presetID="22" presetClass="entr" presetSubtype="4" fill="hold" grpId="0" nodeType="clickEffect">
+                                  <p:stCondLst>
+                                    <p:cond delay="0"/>
+                                  </p:stCondLst>
+                                  <p:childTnLst>
+                                    <p:set>
+                                      <p:cBhvr>
+                                        <p:cTn id="11" dur="1" fill="hold">
+                                          <p:stCondLst>
+                                            <p:cond delay="0"/>
+                                          </p:stCondLst>
+                                        </p:cTn>
+                                        <p:tgtEl>
+                                          <p:spTgt spid="3">
+                                            <p:txEl>
+                                              <p:pRg st="1" end="1"/>
+                                            </p:txEl>
+                                          </p:spTgt>
+                                        </p:tgtEl>
+                                        <p:attrNameLst>
+                                          <p:attrName>style.visibility</p:attrName>
+                                        </p:attrNameLst>
+                                      </p:cBhvr>
+                                      <p:to>
+                                        <p:strVal val="visible"/>
+                                      </p:to>
+                                    </p:set>
+                                    <p:animEffect transition="in" filter="wipe(down)">
+                                      <p:cBhvr>
+                                        <p:cTn id="12" dur="500"/>
+                                        <p:tgtEl>
+                                          <p:spTgt spid="3">
+                                            <p:txEl>
+                                              <p:pRg st="1" end="1"/>
+                                            </p:txEl>
+                                          </p:spTgt>
+                                        </p:tgtEl>
+                                      </p:cBhvr>
+                                    </p:animEffect>
+                                  </p:childTnLst>
+                                </p:cTn>
+                              </p:par>
+                            </p:childTnLst>
+                          </p:cTn>
+                        </p:par>
+                      </p:childTnLst>
+                    </p:cTn>
+                  </p:par>
+                </p:childTnLst>
+              </p:cTn>
+              <p:prevCondLst>
+                <p:cond evt="onPrev" delay="0">
+                  <p:tgtEl>
+                    <p:sldTgt/>
+                  </p:tgtEl>
+                </p:cond>
+              </p:prevCondLst>
+              <p:nextCondLst>
+                <p:cond evt="onNext" delay="0">
+                  <p:tgtEl>
+                    <p:sldTgt/>
+                  </p:tgtEl>
+                </p:cond>
+              </p:nextCondLst>
+            </p:seq>
+          </p:childTnLst>
+        </p:cTn>
+      </p:par>
+    </p:tnLst>
+    <p:bldLst>
+      <p:bldP spid="3" grpId="0" build="p"/>
+    </p:bldLst>
+  </p:timing>
 </p:sld>
 </file>
 
@@ -9621,6 +12760,142 @@
   <p:clrMapOvr>
     <a:masterClrMapping/>
   </p:clrMapOvr>
+  <p:timing>
+    <p:tnLst>
+      <p:par>
+        <p:cTn id="1" dur="indefinite" restart="never" nodeType="tmRoot">
+          <p:childTnLst>
+            <p:seq concurrent="1" nextAc="seek">
+              <p:cTn id="2" dur="indefinite" nodeType="mainSeq">
+                <p:childTnLst>
+                  <p:par>
+                    <p:cTn id="3" fill="hold">
+                      <p:stCondLst>
+                        <p:cond delay="indefinite"/>
+                      </p:stCondLst>
+                      <p:childTnLst>
+                        <p:par>
+                          <p:cTn id="4" fill="hold">
+                            <p:stCondLst>
+                              <p:cond delay="0"/>
+                            </p:stCondLst>
+                            <p:childTnLst>
+                              <p:par>
+                                <p:cTn id="5" presetID="2" presetClass="entr" presetSubtype="4" fill="hold" grpId="0" nodeType="clickEffect">
+                                  <p:stCondLst>
+                                    <p:cond delay="0"/>
+                                  </p:stCondLst>
+                                  <p:childTnLst>
+                                    <p:set>
+                                      <p:cBhvr>
+                                        <p:cTn id="6" dur="1" fill="hold">
+                                          <p:stCondLst>
+                                            <p:cond delay="0"/>
+                                          </p:stCondLst>
+                                        </p:cTn>
+                                        <p:tgtEl>
+                                          <p:spTgt spid="3">
+                                            <p:txEl>
+                                              <p:pRg st="0" end="0"/>
+                                            </p:txEl>
+                                          </p:spTgt>
+                                        </p:tgtEl>
+                                        <p:attrNameLst>
+                                          <p:attrName>style.visibility</p:attrName>
+                                        </p:attrNameLst>
+                                      </p:cBhvr>
+                                      <p:to>
+                                        <p:strVal val="visible"/>
+                                      </p:to>
+                                    </p:set>
+                                    <p:anim calcmode="lin" valueType="num">
+                                      <p:cBhvr additive="base">
+                                        <p:cTn id="7" dur="500" fill="hold"/>
+                                        <p:tgtEl>
+                                          <p:spTgt spid="3">
+                                            <p:txEl>
+                                              <p:pRg st="0" end="0"/>
+                                            </p:txEl>
+                                          </p:spTgt>
+                                        </p:tgtEl>
+                                        <p:attrNameLst>
+                                          <p:attrName>ppt_x</p:attrName>
+                                        </p:attrNameLst>
+                                      </p:cBhvr>
+                                      <p:tavLst>
+                                        <p:tav tm="0">
+                                          <p:val>
+                                            <p:strVal val="#ppt_x"/>
+                                          </p:val>
+                                        </p:tav>
+                                        <p:tav tm="100000">
+                                          <p:val>
+                                            <p:strVal val="#ppt_x"/>
+                                          </p:val>
+                                        </p:tav>
+                                      </p:tavLst>
+                                    </p:anim>
+                                    <p:anim calcmode="lin" valueType="num">
+                                      <p:cBhvr additive="base">
+                                        <p:cTn id="8" dur="500" fill="hold"/>
+                                        <p:tgtEl>
+                                          <p:spTgt spid="3">
+                                            <p:txEl>
+                                              <p:pRg st="0" end="0"/>
+                                            </p:txEl>
+                                          </p:spTgt>
+                                        </p:tgtEl>
+                                        <p:attrNameLst>
+                                          <p:attrName>ppt_y</p:attrName>
+                                        </p:attrNameLst>
+                                      </p:cBhvr>
+                                      <p:tavLst>
+                                        <p:tav tm="0">
+                                          <p:val>
+                                            <p:strVal val="1+#ppt_h/2"/>
+                                          </p:val>
+                                        </p:tav>
+                                        <p:tav tm="100000">
+                                          <p:val>
+                                            <p:strVal val="#ppt_y"/>
+                                          </p:val>
+                                        </p:tav>
+                                      </p:tavLst>
+                                    </p:anim>
+                                  </p:childTnLst>
+                                </p:cTn>
+                              </p:par>
+                            </p:childTnLst>
+                          </p:cTn>
+                        </p:par>
+                      </p:childTnLst>
+                    </p:cTn>
+                  </p:par>
+                </p:childTnLst>
+              </p:cTn>
+              <p:prevCondLst>
+                <p:cond evt="onPrev" delay="0">
+                  <p:tgtEl>
+                    <p:sldTgt/>
+                  </p:tgtEl>
+                </p:cond>
+              </p:prevCondLst>
+              <p:nextCondLst>
+                <p:cond evt="onNext" delay="0">
+                  <p:tgtEl>
+                    <p:sldTgt/>
+                  </p:tgtEl>
+                </p:cond>
+              </p:nextCondLst>
+            </p:seq>
+          </p:childTnLst>
+        </p:cTn>
+      </p:par>
+    </p:tnLst>
+    <p:bldLst>
+      <p:bldP spid="3" grpId="0" build="p"/>
+    </p:bldLst>
+  </p:timing>
 </p:sld>
 </file>
 
@@ -9881,6 +13156,368 @@
   <p:clrMapOvr>
     <a:masterClrMapping/>
   </p:clrMapOvr>
+  <p:timing>
+    <p:tnLst>
+      <p:par>
+        <p:cTn id="1" dur="indefinite" restart="never" nodeType="tmRoot">
+          <p:childTnLst>
+            <p:seq concurrent="1" nextAc="seek">
+              <p:cTn id="2" dur="indefinite" nodeType="mainSeq">
+                <p:childTnLst>
+                  <p:par>
+                    <p:cTn id="3" fill="hold">
+                      <p:stCondLst>
+                        <p:cond delay="indefinite"/>
+                      </p:stCondLst>
+                      <p:childTnLst>
+                        <p:par>
+                          <p:cTn id="4" fill="hold">
+                            <p:stCondLst>
+                              <p:cond delay="0"/>
+                            </p:stCondLst>
+                            <p:childTnLst>
+                              <p:par>
+                                <p:cTn id="5" presetID="53" presetClass="entr" presetSubtype="16" fill="hold" grpId="0" nodeType="clickEffect">
+                                  <p:stCondLst>
+                                    <p:cond delay="0"/>
+                                  </p:stCondLst>
+                                  <p:childTnLst>
+                                    <p:set>
+                                      <p:cBhvr>
+                                        <p:cTn id="6" dur="1" fill="hold">
+                                          <p:stCondLst>
+                                            <p:cond delay="0"/>
+                                          </p:stCondLst>
+                                        </p:cTn>
+                                        <p:tgtEl>
+                                          <p:spTgt spid="3">
+                                            <p:txEl>
+                                              <p:pRg st="0" end="0"/>
+                                            </p:txEl>
+                                          </p:spTgt>
+                                        </p:tgtEl>
+                                        <p:attrNameLst>
+                                          <p:attrName>style.visibility</p:attrName>
+                                        </p:attrNameLst>
+                                      </p:cBhvr>
+                                      <p:to>
+                                        <p:strVal val="visible"/>
+                                      </p:to>
+                                    </p:set>
+                                    <p:anim calcmode="lin" valueType="num">
+                                      <p:cBhvr>
+                                        <p:cTn id="7" dur="500" fill="hold"/>
+                                        <p:tgtEl>
+                                          <p:spTgt spid="3">
+                                            <p:txEl>
+                                              <p:pRg st="0" end="0"/>
+                                            </p:txEl>
+                                          </p:spTgt>
+                                        </p:tgtEl>
+                                        <p:attrNameLst>
+                                          <p:attrName>ppt_w</p:attrName>
+                                        </p:attrNameLst>
+                                      </p:cBhvr>
+                                      <p:tavLst>
+                                        <p:tav tm="0">
+                                          <p:val>
+                                            <p:fltVal val="0"/>
+                                          </p:val>
+                                        </p:tav>
+                                        <p:tav tm="100000">
+                                          <p:val>
+                                            <p:strVal val="#ppt_w"/>
+                                          </p:val>
+                                        </p:tav>
+                                      </p:tavLst>
+                                    </p:anim>
+                                    <p:anim calcmode="lin" valueType="num">
+                                      <p:cBhvr>
+                                        <p:cTn id="8" dur="500" fill="hold"/>
+                                        <p:tgtEl>
+                                          <p:spTgt spid="3">
+                                            <p:txEl>
+                                              <p:pRg st="0" end="0"/>
+                                            </p:txEl>
+                                          </p:spTgt>
+                                        </p:tgtEl>
+                                        <p:attrNameLst>
+                                          <p:attrName>ppt_h</p:attrName>
+                                        </p:attrNameLst>
+                                      </p:cBhvr>
+                                      <p:tavLst>
+                                        <p:tav tm="0">
+                                          <p:val>
+                                            <p:fltVal val="0"/>
+                                          </p:val>
+                                        </p:tav>
+                                        <p:tav tm="100000">
+                                          <p:val>
+                                            <p:strVal val="#ppt_h"/>
+                                          </p:val>
+                                        </p:tav>
+                                      </p:tavLst>
+                                    </p:anim>
+                                    <p:animEffect transition="in" filter="fade">
+                                      <p:cBhvr>
+                                        <p:cTn id="9" dur="500"/>
+                                        <p:tgtEl>
+                                          <p:spTgt spid="3">
+                                            <p:txEl>
+                                              <p:pRg st="0" end="0"/>
+                                            </p:txEl>
+                                          </p:spTgt>
+                                        </p:tgtEl>
+                                      </p:cBhvr>
+                                    </p:animEffect>
+                                  </p:childTnLst>
+                                </p:cTn>
+                              </p:par>
+                            </p:childTnLst>
+                          </p:cTn>
+                        </p:par>
+                      </p:childTnLst>
+                    </p:cTn>
+                  </p:par>
+                  <p:par>
+                    <p:cTn id="10" fill="hold">
+                      <p:stCondLst>
+                        <p:cond delay="indefinite"/>
+                      </p:stCondLst>
+                      <p:childTnLst>
+                        <p:par>
+                          <p:cTn id="11" fill="hold">
+                            <p:stCondLst>
+                              <p:cond delay="0"/>
+                            </p:stCondLst>
+                            <p:childTnLst>
+                              <p:par>
+                                <p:cTn id="12" presetID="53" presetClass="entr" presetSubtype="16" fill="hold" grpId="0" nodeType="clickEffect">
+                                  <p:stCondLst>
+                                    <p:cond delay="0"/>
+                                  </p:stCondLst>
+                                  <p:childTnLst>
+                                    <p:set>
+                                      <p:cBhvr>
+                                        <p:cTn id="13" dur="1" fill="hold">
+                                          <p:stCondLst>
+                                            <p:cond delay="0"/>
+                                          </p:stCondLst>
+                                        </p:cTn>
+                                        <p:tgtEl>
+                                          <p:spTgt spid="3">
+                                            <p:txEl>
+                                              <p:pRg st="1" end="1"/>
+                                            </p:txEl>
+                                          </p:spTgt>
+                                        </p:tgtEl>
+                                        <p:attrNameLst>
+                                          <p:attrName>style.visibility</p:attrName>
+                                        </p:attrNameLst>
+                                      </p:cBhvr>
+                                      <p:to>
+                                        <p:strVal val="visible"/>
+                                      </p:to>
+                                    </p:set>
+                                    <p:anim calcmode="lin" valueType="num">
+                                      <p:cBhvr>
+                                        <p:cTn id="14" dur="500" fill="hold"/>
+                                        <p:tgtEl>
+                                          <p:spTgt spid="3">
+                                            <p:txEl>
+                                              <p:pRg st="1" end="1"/>
+                                            </p:txEl>
+                                          </p:spTgt>
+                                        </p:tgtEl>
+                                        <p:attrNameLst>
+                                          <p:attrName>ppt_w</p:attrName>
+                                        </p:attrNameLst>
+                                      </p:cBhvr>
+                                      <p:tavLst>
+                                        <p:tav tm="0">
+                                          <p:val>
+                                            <p:fltVal val="0"/>
+                                          </p:val>
+                                        </p:tav>
+                                        <p:tav tm="100000">
+                                          <p:val>
+                                            <p:strVal val="#ppt_w"/>
+                                          </p:val>
+                                        </p:tav>
+                                      </p:tavLst>
+                                    </p:anim>
+                                    <p:anim calcmode="lin" valueType="num">
+                                      <p:cBhvr>
+                                        <p:cTn id="15" dur="500" fill="hold"/>
+                                        <p:tgtEl>
+                                          <p:spTgt spid="3">
+                                            <p:txEl>
+                                              <p:pRg st="1" end="1"/>
+                                            </p:txEl>
+                                          </p:spTgt>
+                                        </p:tgtEl>
+                                        <p:attrNameLst>
+                                          <p:attrName>ppt_h</p:attrName>
+                                        </p:attrNameLst>
+                                      </p:cBhvr>
+                                      <p:tavLst>
+                                        <p:tav tm="0">
+                                          <p:val>
+                                            <p:fltVal val="0"/>
+                                          </p:val>
+                                        </p:tav>
+                                        <p:tav tm="100000">
+                                          <p:val>
+                                            <p:strVal val="#ppt_h"/>
+                                          </p:val>
+                                        </p:tav>
+                                      </p:tavLst>
+                                    </p:anim>
+                                    <p:animEffect transition="in" filter="fade">
+                                      <p:cBhvr>
+                                        <p:cTn id="16" dur="500"/>
+                                        <p:tgtEl>
+                                          <p:spTgt spid="3">
+                                            <p:txEl>
+                                              <p:pRg st="1" end="1"/>
+                                            </p:txEl>
+                                          </p:spTgt>
+                                        </p:tgtEl>
+                                      </p:cBhvr>
+                                    </p:animEffect>
+                                  </p:childTnLst>
+                                </p:cTn>
+                              </p:par>
+                            </p:childTnLst>
+                          </p:cTn>
+                        </p:par>
+                      </p:childTnLst>
+                    </p:cTn>
+                  </p:par>
+                  <p:par>
+                    <p:cTn id="17" fill="hold">
+                      <p:stCondLst>
+                        <p:cond delay="indefinite"/>
+                      </p:stCondLst>
+                      <p:childTnLst>
+                        <p:par>
+                          <p:cTn id="18" fill="hold">
+                            <p:stCondLst>
+                              <p:cond delay="0"/>
+                            </p:stCondLst>
+                            <p:childTnLst>
+                              <p:par>
+                                <p:cTn id="19" presetID="53" presetClass="entr" presetSubtype="16" fill="hold" nodeType="clickEffect">
+                                  <p:stCondLst>
+                                    <p:cond delay="0"/>
+                                  </p:stCondLst>
+                                  <p:childTnLst>
+                                    <p:set>
+                                      <p:cBhvr>
+                                        <p:cTn id="20" dur="1" fill="hold">
+                                          <p:stCondLst>
+                                            <p:cond delay="0"/>
+                                          </p:stCondLst>
+                                        </p:cTn>
+                                        <p:tgtEl>
+                                          <p:spTgt spid="7"/>
+                                        </p:tgtEl>
+                                        <p:attrNameLst>
+                                          <p:attrName>style.visibility</p:attrName>
+                                        </p:attrNameLst>
+                                      </p:cBhvr>
+                                      <p:to>
+                                        <p:strVal val="visible"/>
+                                      </p:to>
+                                    </p:set>
+                                    <p:anim calcmode="lin" valueType="num">
+                                      <p:cBhvr>
+                                        <p:cTn id="21" dur="500" fill="hold"/>
+                                        <p:tgtEl>
+                                          <p:spTgt spid="7"/>
+                                        </p:tgtEl>
+                                        <p:attrNameLst>
+                                          <p:attrName>ppt_w</p:attrName>
+                                        </p:attrNameLst>
+                                      </p:cBhvr>
+                                      <p:tavLst>
+                                        <p:tav tm="0">
+                                          <p:val>
+                                            <p:fltVal val="0"/>
+                                          </p:val>
+                                        </p:tav>
+                                        <p:tav tm="100000">
+                                          <p:val>
+                                            <p:strVal val="#ppt_w"/>
+                                          </p:val>
+                                        </p:tav>
+                                      </p:tavLst>
+                                    </p:anim>
+                                    <p:anim calcmode="lin" valueType="num">
+                                      <p:cBhvr>
+                                        <p:cTn id="22" dur="500" fill="hold"/>
+                                        <p:tgtEl>
+                                          <p:spTgt spid="7"/>
+                                        </p:tgtEl>
+                                        <p:attrNameLst>
+                                          <p:attrName>ppt_h</p:attrName>
+                                        </p:attrNameLst>
+                                      </p:cBhvr>
+                                      <p:tavLst>
+                                        <p:tav tm="0">
+                                          <p:val>
+                                            <p:fltVal val="0"/>
+                                          </p:val>
+                                        </p:tav>
+                                        <p:tav tm="100000">
+                                          <p:val>
+                                            <p:strVal val="#ppt_h"/>
+                                          </p:val>
+                                        </p:tav>
+                                      </p:tavLst>
+                                    </p:anim>
+                                    <p:animEffect transition="in" filter="fade">
+                                      <p:cBhvr>
+                                        <p:cTn id="23" dur="500"/>
+                                        <p:tgtEl>
+                                          <p:spTgt spid="7"/>
+                                        </p:tgtEl>
+                                      </p:cBhvr>
+                                    </p:animEffect>
+                                  </p:childTnLst>
+                                </p:cTn>
+                              </p:par>
+                            </p:childTnLst>
+                          </p:cTn>
+                        </p:par>
+                      </p:childTnLst>
+                    </p:cTn>
+                  </p:par>
+                </p:childTnLst>
+              </p:cTn>
+              <p:prevCondLst>
+                <p:cond evt="onPrev" delay="0">
+                  <p:tgtEl>
+                    <p:sldTgt/>
+                  </p:tgtEl>
+                </p:cond>
+              </p:prevCondLst>
+              <p:nextCondLst>
+                <p:cond evt="onNext" delay="0">
+                  <p:tgtEl>
+                    <p:sldTgt/>
+                  </p:tgtEl>
+                </p:cond>
+              </p:nextCondLst>
+            </p:seq>
+          </p:childTnLst>
+        </p:cTn>
+      </p:par>
+    </p:tnLst>
+    <p:bldLst>
+      <p:bldP spid="3" grpId="0" build="p"/>
+    </p:bldLst>
+  </p:timing>
 </p:sld>
 </file>
 
@@ -10436,18 +14073,18 @@
 </file>
 
 <file path=customXml/item1.xml><?xml version="1.0" encoding="utf-8"?>
-<p:properties xmlns:p="http://schemas.microsoft.com/office/2006/metadata/properties" xmlns:xsi="http://www.w3.org/2001/XMLSchema-instance" xmlns:pc="http://schemas.microsoft.com/office/infopath/2007/PartnerControls">
-  <documentManagement/>
-</p:properties>
-</file>
-
-<file path=customXml/item2.xml><?xml version="1.0" encoding="utf-8"?>
 <?mso-contentType ?>
 <FormTemplates xmlns="http://schemas.microsoft.com/sharepoint/v3/contenttype/forms">
   <Display>DocumentLibraryForm</Display>
   <Edit>DocumentLibraryForm</Edit>
   <New>DocumentLibraryForm</New>
 </FormTemplates>
+</file>
+
+<file path=customXml/item2.xml><?xml version="1.0" encoding="utf-8"?>
+<p:properties xmlns:p="http://schemas.microsoft.com/office/2006/metadata/properties" xmlns:xsi="http://www.w3.org/2001/XMLSchema-instance" xmlns:pc="http://schemas.microsoft.com/office/infopath/2007/PartnerControls">
+  <documentManagement/>
+</p:properties>
 </file>
 
 <file path=customXml/item3.xml><?xml version="1.0" encoding="utf-8"?>
@@ -10622,6 +14259,14 @@
 </file>
 
 <file path=customXml/itemProps1.xml><?xml version="1.0" encoding="utf-8"?>
+<ds:datastoreItem xmlns:ds="http://schemas.openxmlformats.org/officeDocument/2006/customXml" ds:itemID="{A77D7CE5-D6DD-4069-86F4-BB2DDC4628BD}">
+  <ds:schemaRefs>
+    <ds:schemaRef ds:uri="http://schemas.microsoft.com/sharepoint/v3/contenttype/forms"/>
+  </ds:schemaRefs>
+</ds:datastoreItem>
+</file>
+
+<file path=customXml/itemProps2.xml><?xml version="1.0" encoding="utf-8"?>
 <ds:datastoreItem xmlns:ds="http://schemas.openxmlformats.org/officeDocument/2006/customXml" ds:itemID="{75496198-2E38-4926-A1DA-329574697DDE}">
   <ds:schemaRefs>
     <ds:schemaRef ds:uri="http://schemas.openxmlformats.org/package/2006/metadata/core-properties"/>
@@ -10634,14 +14279,6 @@
     <ds:schemaRef ds:uri="http://purl.org/dc/terms/"/>
     <ds:schemaRef ds:uri="http://schemas.microsoft.com/office/infopath/2007/PartnerControls"/>
     <ds:schemaRef ds:uri="http://schemas.microsoft.com/office/2006/metadata/properties"/>
-  </ds:schemaRefs>
-</ds:datastoreItem>
-</file>
-
-<file path=customXml/itemProps2.xml><?xml version="1.0" encoding="utf-8"?>
-<ds:datastoreItem xmlns:ds="http://schemas.openxmlformats.org/officeDocument/2006/customXml" ds:itemID="{A77D7CE5-D6DD-4069-86F4-BB2DDC4628BD}">
-  <ds:schemaRefs>
-    <ds:schemaRef ds:uri="http://schemas.microsoft.com/sharepoint/v3/contenttype/forms"/>
   </ds:schemaRefs>
 </ds:datastoreItem>
 </file>

--- a/Classes/week_02/ta2/simon_group/oop2.pptx
+++ b/Classes/week_02/ta2/simon_group/oop2.pptx
@@ -218,7 +218,7 @@
           <a:p>
             <a:fld id="{9DA59C4F-E499-4036-8FB9-B77BEC02A5D1}" type="datetimeFigureOut">
               <a:rPr lang="he-IL" smtClean="0"/>
-              <a:t>י'/חשון/תשפ"א</a:t>
+              <a:t>י"ב/חשון/תשפ"א</a:t>
             </a:fld>
             <a:endParaRPr lang="he-IL"/>
           </a:p>
@@ -871,7 +871,7 @@
           <a:p>
             <a:fld id="{F9F2E34D-57B0-41D5-A7AF-DF10D1068115}" type="datetime1">
               <a:rPr lang="en-US" smtClean="0"/>
-              <a:t>10/28/2020</a:t>
+              <a:t>10/30/2020</a:t>
             </a:fld>
             <a:endParaRPr lang="en-US" dirty="0"/>
           </a:p>
@@ -1076,7 +1076,7 @@
           <a:p>
             <a:fld id="{BF56EAF9-2583-4989-8D87-13F548ED6E0C}" type="datetime1">
               <a:rPr lang="en-US" smtClean="0"/>
-              <a:t>10/28/2020</a:t>
+              <a:t>10/30/2020</a:t>
             </a:fld>
             <a:endParaRPr lang="en-US" dirty="0"/>
           </a:p>
@@ -1296,7 +1296,7 @@
           <a:p>
             <a:fld id="{4E3F0A0B-291C-4112-A023-023C51AB2E85}" type="datetime1">
               <a:rPr lang="en-US" smtClean="0"/>
-              <a:t>10/28/2020</a:t>
+              <a:t>10/30/2020</a:t>
             </a:fld>
             <a:endParaRPr lang="en-US" dirty="0"/>
           </a:p>
@@ -12632,7 +12632,7 @@
         </p:nvSpPr>
         <p:spPr>
           <a:xfrm>
-            <a:off x="2998551" y="290151"/>
+            <a:off x="2998551" y="261870"/>
             <a:ext cx="9166168" cy="3201193"/>
           </a:xfrm>
         </p:spPr>
@@ -14073,18 +14073,18 @@
 </file>
 
 <file path=customXml/item1.xml><?xml version="1.0" encoding="utf-8"?>
+<p:properties xmlns:p="http://schemas.microsoft.com/office/2006/metadata/properties" xmlns:xsi="http://www.w3.org/2001/XMLSchema-instance" xmlns:pc="http://schemas.microsoft.com/office/infopath/2007/PartnerControls">
+  <documentManagement/>
+</p:properties>
+</file>
+
+<file path=customXml/item2.xml><?xml version="1.0" encoding="utf-8"?>
 <?mso-contentType ?>
 <FormTemplates xmlns="http://schemas.microsoft.com/sharepoint/v3/contenttype/forms">
   <Display>DocumentLibraryForm</Display>
   <Edit>DocumentLibraryForm</Edit>
   <New>DocumentLibraryForm</New>
 </FormTemplates>
-</file>
-
-<file path=customXml/item2.xml><?xml version="1.0" encoding="utf-8"?>
-<p:properties xmlns:p="http://schemas.microsoft.com/office/2006/metadata/properties" xmlns:xsi="http://www.w3.org/2001/XMLSchema-instance" xmlns:pc="http://schemas.microsoft.com/office/infopath/2007/PartnerControls">
-  <documentManagement/>
-</p:properties>
 </file>
 
 <file path=customXml/item3.xml><?xml version="1.0" encoding="utf-8"?>
@@ -14259,14 +14259,6 @@
 </file>
 
 <file path=customXml/itemProps1.xml><?xml version="1.0" encoding="utf-8"?>
-<ds:datastoreItem xmlns:ds="http://schemas.openxmlformats.org/officeDocument/2006/customXml" ds:itemID="{A77D7CE5-D6DD-4069-86F4-BB2DDC4628BD}">
-  <ds:schemaRefs>
-    <ds:schemaRef ds:uri="http://schemas.microsoft.com/sharepoint/v3/contenttype/forms"/>
-  </ds:schemaRefs>
-</ds:datastoreItem>
-</file>
-
-<file path=customXml/itemProps2.xml><?xml version="1.0" encoding="utf-8"?>
 <ds:datastoreItem xmlns:ds="http://schemas.openxmlformats.org/officeDocument/2006/customXml" ds:itemID="{75496198-2E38-4926-A1DA-329574697DDE}">
   <ds:schemaRefs>
     <ds:schemaRef ds:uri="http://schemas.openxmlformats.org/package/2006/metadata/core-properties"/>
@@ -14279,6 +14271,14 @@
     <ds:schemaRef ds:uri="http://purl.org/dc/terms/"/>
     <ds:schemaRef ds:uri="http://schemas.microsoft.com/office/infopath/2007/PartnerControls"/>
     <ds:schemaRef ds:uri="http://schemas.microsoft.com/office/2006/metadata/properties"/>
+  </ds:schemaRefs>
+</ds:datastoreItem>
+</file>
+
+<file path=customXml/itemProps2.xml><?xml version="1.0" encoding="utf-8"?>
+<ds:datastoreItem xmlns:ds="http://schemas.openxmlformats.org/officeDocument/2006/customXml" ds:itemID="{A77D7CE5-D6DD-4069-86F4-BB2DDC4628BD}">
+  <ds:schemaRefs>
+    <ds:schemaRef ds:uri="http://schemas.microsoft.com/sharepoint/v3/contenttype/forms"/>
   </ds:schemaRefs>
 </ds:datastoreItem>
 </file>
